--- a/Sem 4/RDBMS/Mod 3/3.1 RelAlgebra_Join.pptx
+++ b/Sem 4/RDBMS/Mod 3/3.1 RelAlgebra_Join.pptx
@@ -290,7 +290,7 @@
   </p:defaultTextStyle>
   <p:extLst>
     <p:ext uri="{EFAFB233-063F-42B5-8137-9DF3F51BA10A}">
-      <p15:sldGuideLst xmlns:p15="http://schemas.microsoft.com/office/powerpoint/2012/main" xmlns="">
+      <p15:sldGuideLst xmlns:p15="http://schemas.microsoft.com/office/powerpoint/2012/main">
         <p15:guide id="1" orient="horz" pos="1920">
           <p15:clr>
             <a:srgbClr val="000000"/>
@@ -304,7 +304,7 @@
       </p15:sldGuideLst>
     </p:ext>
     <p:ext uri="{2D200454-40CA-4A62-9FC3-DE9A4176ACB9}">
-      <p15:notesGuideLst xmlns:p15="http://schemas.microsoft.com/office/powerpoint/2012/main" xmlns="">
+      <p15:notesGuideLst xmlns:p15="http://schemas.microsoft.com/office/powerpoint/2012/main">
         <p15:guide id="1" orient="horz" pos="2880">
           <p15:clr>
             <a:srgbClr val="000000"/>
@@ -13464,6 +13464,9 @@
                 <a:solidFill>
                   <a:schemeClr val="dk2"/>
                 </a:solidFill>
+                <a:highlight>
+                  <a:srgbClr val="FFFF00"/>
+                </a:highlight>
                 <a:latin typeface="Arial"/>
                 <a:ea typeface="Arial"/>
                 <a:cs typeface="Arial"/>
@@ -13471,7 +13474,11 @@
               </a:rPr>
               <a:t>EQUIJOIN Operation</a:t>
             </a:r>
-            <a:endParaRPr dirty="0"/>
+            <a:endParaRPr dirty="0">
+              <a:highlight>
+                <a:srgbClr val="FFFF00"/>
+              </a:highlight>
+            </a:endParaRPr>
           </a:p>
           <a:p>
             <a:pPr marL="342900" lvl="0" indent="-342900" algn="l" rtl="0">
@@ -13496,6 +13503,9 @@
                 <a:solidFill>
                   <a:schemeClr val="dk2"/>
                 </a:solidFill>
+                <a:highlight>
+                  <a:srgbClr val="FFFF00"/>
+                </a:highlight>
                 <a:latin typeface="Arial"/>
                 <a:ea typeface="Arial"/>
                 <a:cs typeface="Arial"/>
@@ -13508,6 +13518,9 @@
                 <a:solidFill>
                   <a:schemeClr val="dk2"/>
                 </a:solidFill>
+                <a:highlight>
+                  <a:srgbClr val="FFFF00"/>
+                </a:highlight>
                 <a:latin typeface="Arial"/>
                 <a:ea typeface="Arial"/>
                 <a:cs typeface="Arial"/>
@@ -13520,6 +13533,9 @@
                 <a:solidFill>
                   <a:schemeClr val="dk2"/>
                 </a:solidFill>
+                <a:highlight>
+                  <a:srgbClr val="FFFF00"/>
+                </a:highlight>
                 <a:latin typeface="Arial"/>
                 <a:ea typeface="Arial"/>
                 <a:cs typeface="Arial"/>
@@ -13527,7 +13543,11 @@
               </a:rPr>
               <a:t> only</a:t>
             </a:r>
-            <a:endParaRPr dirty="0"/>
+            <a:endParaRPr dirty="0">
+              <a:highlight>
+                <a:srgbClr val="FFFF00"/>
+              </a:highlight>
+            </a:endParaRPr>
           </a:p>
           <a:p>
             <a:pPr marL="342900" lvl="0" indent="-342900" algn="l" rtl="0">
@@ -13552,6 +13572,9 @@
                 <a:solidFill>
                   <a:schemeClr val="dk2"/>
                 </a:solidFill>
+                <a:highlight>
+                  <a:srgbClr val="FFFF00"/>
+                </a:highlight>
                 <a:latin typeface="Arial"/>
                 <a:ea typeface="Arial"/>
                 <a:cs typeface="Arial"/>
@@ -13559,7 +13582,11 @@
               </a:rPr>
               <a:t>Such a join, where the only comparison operator used is =, is called an EQUIJOIN.</a:t>
             </a:r>
-            <a:endParaRPr dirty="0"/>
+            <a:endParaRPr dirty="0">
+              <a:highlight>
+                <a:srgbClr val="FFFF00"/>
+              </a:highlight>
+            </a:endParaRPr>
           </a:p>
         </p:txBody>
       </p:sp>
@@ -13568,7 +13595,7 @@
           <p:cNvPr id="3" name="TextBox 2">
             <a:extLst>
               <a:ext uri="{FF2B5EF4-FFF2-40B4-BE49-F238E27FC236}">
-                <a16:creationId xmlns:a16="http://schemas.microsoft.com/office/drawing/2014/main" xmlns="" id="{244BE2E3-DFB5-70FF-484A-3977B2DB2550}"/>
+                <a16:creationId xmlns:a16="http://schemas.microsoft.com/office/drawing/2014/main" id="{244BE2E3-DFB5-70FF-484A-3977B2DB2550}"/>
               </a:ext>
             </a:extLst>
           </p:cNvPr>
@@ -13653,7 +13680,7 @@
           <p:cNvPr id="4" name="Google Shape;421;p52">
             <a:extLst>
               <a:ext uri="{FF2B5EF4-FFF2-40B4-BE49-F238E27FC236}">
-                <a16:creationId xmlns:a16="http://schemas.microsoft.com/office/drawing/2014/main" xmlns="" id="{B7AA09B0-B194-336B-55BC-D931BC5BD629}"/>
+                <a16:creationId xmlns:a16="http://schemas.microsoft.com/office/drawing/2014/main" id="{B7AA09B0-B194-336B-55BC-D931BC5BD629}"/>
               </a:ext>
             </a:extLst>
           </p:cNvPr>
@@ -13673,7 +13700,7 @@
             <p:cNvPr id="5" name="Google Shape;422;p52">
               <a:extLst>
                 <a:ext uri="{FF2B5EF4-FFF2-40B4-BE49-F238E27FC236}">
-                  <a16:creationId xmlns:a16="http://schemas.microsoft.com/office/drawing/2014/main" xmlns="" id="{0FEA1A17-D3AF-C555-D943-2869FFF3FD33}"/>
+                  <a16:creationId xmlns:a16="http://schemas.microsoft.com/office/drawing/2014/main" id="{0FEA1A17-D3AF-C555-D943-2869FFF3FD33}"/>
                 </a:ext>
               </a:extLst>
             </p:cNvPr>
@@ -13705,7 +13732,7 @@
             <p:cNvPr id="6" name="Google Shape;423;p52">
               <a:extLst>
                 <a:ext uri="{FF2B5EF4-FFF2-40B4-BE49-F238E27FC236}">
-                  <a16:creationId xmlns:a16="http://schemas.microsoft.com/office/drawing/2014/main" xmlns="" id="{D614CCDA-10C4-1CF8-FE05-8B58B82F1BB6}"/>
+                  <a16:creationId xmlns:a16="http://schemas.microsoft.com/office/drawing/2014/main" id="{D614CCDA-10C4-1CF8-FE05-8B58B82F1BB6}"/>
                 </a:ext>
               </a:extLst>
             </p:cNvPr>
@@ -13737,7 +13764,7 @@
             <p:cNvPr id="7" name="Google Shape;424;p52">
               <a:extLst>
                 <a:ext uri="{FF2B5EF4-FFF2-40B4-BE49-F238E27FC236}">
-                  <a16:creationId xmlns:a16="http://schemas.microsoft.com/office/drawing/2014/main" xmlns="" id="{FCEA80DC-9364-474E-EF15-36C63CB79560}"/>
+                  <a16:creationId xmlns:a16="http://schemas.microsoft.com/office/drawing/2014/main" id="{FCEA80DC-9364-474E-EF15-36C63CB79560}"/>
                 </a:ext>
               </a:extLst>
             </p:cNvPr>
@@ -13769,7 +13796,7 @@
             <p:cNvPr id="8" name="Google Shape;425;p52">
               <a:extLst>
                 <a:ext uri="{FF2B5EF4-FFF2-40B4-BE49-F238E27FC236}">
-                  <a16:creationId xmlns:a16="http://schemas.microsoft.com/office/drawing/2014/main" xmlns="" id="{936189B1-AFB3-B491-F604-ADE6F9BE3AEC}"/>
+                  <a16:creationId xmlns:a16="http://schemas.microsoft.com/office/drawing/2014/main" id="{936189B1-AFB3-B491-F604-ADE6F9BE3AEC}"/>
                 </a:ext>
               </a:extLst>
             </p:cNvPr>
@@ -14614,7 +14641,7 @@
           <p:cNvPr id="3" name="Picture 2">
             <a:extLst>
               <a:ext uri="{FF2B5EF4-FFF2-40B4-BE49-F238E27FC236}">
-                <a16:creationId xmlns:a16="http://schemas.microsoft.com/office/drawing/2014/main" xmlns="" id="{7BC8B230-7FB9-231C-222C-EC7EF890BE27}"/>
+                <a16:creationId xmlns:a16="http://schemas.microsoft.com/office/drawing/2014/main" id="{7BC8B230-7FB9-231C-222C-EC7EF890BE27}"/>
               </a:ext>
             </a:extLst>
           </p:cNvPr>
@@ -14644,7 +14671,7 @@
           <p:cNvPr id="4" name="Picture 3">
             <a:extLst>
               <a:ext uri="{FF2B5EF4-FFF2-40B4-BE49-F238E27FC236}">
-                <a16:creationId xmlns:a16="http://schemas.microsoft.com/office/drawing/2014/main" xmlns="" id="{E6C4106E-8706-968E-3F0B-745D7571B70D}"/>
+                <a16:creationId xmlns:a16="http://schemas.microsoft.com/office/drawing/2014/main" id="{E6C4106E-8706-968E-3F0B-745D7571B70D}"/>
               </a:ext>
             </a:extLst>
           </p:cNvPr>
@@ -15065,7 +15092,7 @@
           <p:cNvPr id="3" name="Picture 2">
             <a:extLst>
               <a:ext uri="{FF2B5EF4-FFF2-40B4-BE49-F238E27FC236}">
-                <a16:creationId xmlns:a16="http://schemas.microsoft.com/office/drawing/2014/main" xmlns="" id="{6C51D22A-C926-EB18-08A7-4C7D48AA9418}"/>
+                <a16:creationId xmlns:a16="http://schemas.microsoft.com/office/drawing/2014/main" id="{6C51D22A-C926-EB18-08A7-4C7D48AA9418}"/>
               </a:ext>
             </a:extLst>
           </p:cNvPr>
@@ -15095,7 +15122,7 @@
           <p:cNvPr id="5" name="Picture 4">
             <a:extLst>
               <a:ext uri="{FF2B5EF4-FFF2-40B4-BE49-F238E27FC236}">
-                <a16:creationId xmlns:a16="http://schemas.microsoft.com/office/drawing/2014/main" xmlns="" id="{EDC41FB6-B052-CD6E-E452-29E6E4BE24B0}"/>
+                <a16:creationId xmlns:a16="http://schemas.microsoft.com/office/drawing/2014/main" id="{EDC41FB6-B052-CD6E-E452-29E6E4BE24B0}"/>
               </a:ext>
             </a:extLst>
           </p:cNvPr>
@@ -15125,7 +15152,7 @@
           <p:cNvPr id="7" name="Picture 6">
             <a:extLst>
               <a:ext uri="{FF2B5EF4-FFF2-40B4-BE49-F238E27FC236}">
-                <a16:creationId xmlns:a16="http://schemas.microsoft.com/office/drawing/2014/main" xmlns="" id="{17E2908C-48ED-FDD0-12C3-50E5F4E464F2}"/>
+                <a16:creationId xmlns:a16="http://schemas.microsoft.com/office/drawing/2014/main" id="{17E2908C-48ED-FDD0-12C3-50E5F4E464F2}"/>
               </a:ext>
             </a:extLst>
           </p:cNvPr>
@@ -15155,7 +15182,7 @@
           <p:cNvPr id="9" name="Picture 8">
             <a:extLst>
               <a:ext uri="{FF2B5EF4-FFF2-40B4-BE49-F238E27FC236}">
-                <a16:creationId xmlns:a16="http://schemas.microsoft.com/office/drawing/2014/main" xmlns="" id="{65E936EA-7872-395D-37D9-8D2E9AF7B77B}"/>
+                <a16:creationId xmlns:a16="http://schemas.microsoft.com/office/drawing/2014/main" id="{65E936EA-7872-395D-37D9-8D2E9AF7B77B}"/>
               </a:ext>
             </a:extLst>
           </p:cNvPr>
@@ -15185,7 +15212,7 @@
           <p:cNvPr id="11" name="Picture 10">
             <a:extLst>
               <a:ext uri="{FF2B5EF4-FFF2-40B4-BE49-F238E27FC236}">
-                <a16:creationId xmlns:a16="http://schemas.microsoft.com/office/drawing/2014/main" xmlns="" id="{91CF8A13-8FD9-7684-94BF-A5D23DE7C9F0}"/>
+                <a16:creationId xmlns:a16="http://schemas.microsoft.com/office/drawing/2014/main" id="{91CF8A13-8FD9-7684-94BF-A5D23DE7C9F0}"/>
               </a:ext>
             </a:extLst>
           </p:cNvPr>
@@ -15915,13 +15942,6 @@
   <p:clrMapOvr>
     <a:masterClrMapping/>
   </p:clrMapOvr>
-  <p:timing>
-    <p:tnLst>
-      <p:par>
-        <p:cTn id="1" dur="indefinite" restart="never" nodeType="tmRoot"/>
-      </p:par>
-    </p:tnLst>
-  </p:timing>
 </p:sld>
 </file>
 
@@ -15947,7 +15967,7 @@
           <p:cNvPr id="2" name="Title 1">
             <a:extLst>
               <a:ext uri="{FF2B5EF4-FFF2-40B4-BE49-F238E27FC236}">
-                <a16:creationId xmlns:a16="http://schemas.microsoft.com/office/drawing/2014/main" xmlns="" id="{A025ADEB-5507-27BC-65FB-0AB07632A075}"/>
+                <a16:creationId xmlns:a16="http://schemas.microsoft.com/office/drawing/2014/main" id="{A025ADEB-5507-27BC-65FB-0AB07632A075}"/>
               </a:ext>
             </a:extLst>
           </p:cNvPr>
@@ -15972,7 +15992,7 @@
           <p:cNvPr id="3" name="Text Placeholder 2">
             <a:extLst>
               <a:ext uri="{FF2B5EF4-FFF2-40B4-BE49-F238E27FC236}">
-                <a16:creationId xmlns:a16="http://schemas.microsoft.com/office/drawing/2014/main" xmlns="" id="{308C1F6D-C02D-6865-9993-1D8A4C8EDA31}"/>
+                <a16:creationId xmlns:a16="http://schemas.microsoft.com/office/drawing/2014/main" id="{308C1F6D-C02D-6865-9993-1D8A4C8EDA31}"/>
               </a:ext>
             </a:extLst>
           </p:cNvPr>
@@ -16045,7 +16065,7 @@
           <p:cNvPr id="4" name="Slide Number Placeholder 3">
             <a:extLst>
               <a:ext uri="{FF2B5EF4-FFF2-40B4-BE49-F238E27FC236}">
-                <a16:creationId xmlns:a16="http://schemas.microsoft.com/office/drawing/2014/main" xmlns="" id="{CC957E93-BFB0-B395-3861-8E47269CBA95}"/>
+                <a16:creationId xmlns:a16="http://schemas.microsoft.com/office/drawing/2014/main" id="{CC957E93-BFB0-B395-3861-8E47269CBA95}"/>
               </a:ext>
             </a:extLst>
           </p:cNvPr>
@@ -16092,13 +16112,6 @@
   <p:clrMapOvr>
     <a:masterClrMapping/>
   </p:clrMapOvr>
-  <p:timing>
-    <p:tnLst>
-      <p:par>
-        <p:cTn id="1" dur="indefinite" restart="never" nodeType="tmRoot"/>
-      </p:par>
-    </p:tnLst>
-  </p:timing>
 </p:sld>
 </file>
 
@@ -16124,7 +16137,7 @@
           <p:cNvPr id="2" name="Title 1">
             <a:extLst>
               <a:ext uri="{FF2B5EF4-FFF2-40B4-BE49-F238E27FC236}">
-                <a16:creationId xmlns:a16="http://schemas.microsoft.com/office/drawing/2014/main" xmlns="" id="{8EAC3CDF-F578-9FAE-331F-B5C9CCA5B30B}"/>
+                <a16:creationId xmlns:a16="http://schemas.microsoft.com/office/drawing/2014/main" id="{8EAC3CDF-F578-9FAE-331F-B5C9CCA5B30B}"/>
               </a:ext>
             </a:extLst>
           </p:cNvPr>
@@ -16153,7 +16166,7 @@
           <p:cNvPr id="3" name="Text Placeholder 2">
             <a:extLst>
               <a:ext uri="{FF2B5EF4-FFF2-40B4-BE49-F238E27FC236}">
-                <a16:creationId xmlns:a16="http://schemas.microsoft.com/office/drawing/2014/main" xmlns="" id="{2148626D-987E-2688-0115-51B0211F8B33}"/>
+                <a16:creationId xmlns:a16="http://schemas.microsoft.com/office/drawing/2014/main" id="{2148626D-987E-2688-0115-51B0211F8B33}"/>
               </a:ext>
             </a:extLst>
           </p:cNvPr>
@@ -16210,7 +16223,7 @@
           <p:cNvPr id="4" name="Slide Number Placeholder 3">
             <a:extLst>
               <a:ext uri="{FF2B5EF4-FFF2-40B4-BE49-F238E27FC236}">
-                <a16:creationId xmlns:a16="http://schemas.microsoft.com/office/drawing/2014/main" xmlns="" id="{A49F373A-869A-DC6F-218D-65A7D4334600}"/>
+                <a16:creationId xmlns:a16="http://schemas.microsoft.com/office/drawing/2014/main" id="{A49F373A-869A-DC6F-218D-65A7D4334600}"/>
               </a:ext>
             </a:extLst>
           </p:cNvPr>
@@ -16252,7 +16265,7 @@
           <p:cNvPr id="5" name="Table 4">
             <a:extLst>
               <a:ext uri="{FF2B5EF4-FFF2-40B4-BE49-F238E27FC236}">
-                <a16:creationId xmlns:a16="http://schemas.microsoft.com/office/drawing/2014/main" xmlns="" id="{D81DD315-FB5D-8128-D654-639DAB0D79B5}"/>
+                <a16:creationId xmlns:a16="http://schemas.microsoft.com/office/drawing/2014/main" id="{D81DD315-FB5D-8128-D654-639DAB0D79B5}"/>
               </a:ext>
             </a:extLst>
           </p:cNvPr>
@@ -16279,21 +16292,21 @@
                 <a:gridCol w="999153">
                   <a:extLst>
                     <a:ext uri="{9D8B030D-6E8A-4147-A177-3AD203B41FA5}">
-                      <a16:colId xmlns:a16="http://schemas.microsoft.com/office/drawing/2014/main" xmlns="" val="822187975"/>
+                      <a16:colId xmlns:a16="http://schemas.microsoft.com/office/drawing/2014/main" val="822187975"/>
                     </a:ext>
                   </a:extLst>
                 </a:gridCol>
                 <a:gridCol w="1366683">
                   <a:extLst>
                     <a:ext uri="{9D8B030D-6E8A-4147-A177-3AD203B41FA5}">
-                      <a16:colId xmlns:a16="http://schemas.microsoft.com/office/drawing/2014/main" xmlns="" val="593355387"/>
+                      <a16:colId xmlns:a16="http://schemas.microsoft.com/office/drawing/2014/main" val="593355387"/>
                     </a:ext>
                   </a:extLst>
                 </a:gridCol>
                 <a:gridCol w="1337187">
                   <a:extLst>
                     <a:ext uri="{9D8B030D-6E8A-4147-A177-3AD203B41FA5}">
-                      <a16:colId xmlns:a16="http://schemas.microsoft.com/office/drawing/2014/main" xmlns="" val="2918084866"/>
+                      <a16:colId xmlns:a16="http://schemas.microsoft.com/office/drawing/2014/main" val="2918084866"/>
                     </a:ext>
                   </a:extLst>
                 </a:gridCol>
@@ -16456,7 +16469,7 @@
                 </a:tc>
                 <a:extLst>
                   <a:ext uri="{0D108BD9-81ED-4DB2-BD59-A6C34878D82A}">
-                    <a16:rowId xmlns:a16="http://schemas.microsoft.com/office/drawing/2014/main" xmlns="" val="2107205803"/>
+                    <a16:rowId xmlns:a16="http://schemas.microsoft.com/office/drawing/2014/main" val="2107205803"/>
                   </a:ext>
                 </a:extLst>
               </a:tr>
@@ -16624,7 +16637,7 @@
                 </a:tc>
                 <a:extLst>
                   <a:ext uri="{0D108BD9-81ED-4DB2-BD59-A6C34878D82A}">
-                    <a16:rowId xmlns:a16="http://schemas.microsoft.com/office/drawing/2014/main" xmlns="" val="3659980848"/>
+                    <a16:rowId xmlns:a16="http://schemas.microsoft.com/office/drawing/2014/main" val="3659980848"/>
                   </a:ext>
                 </a:extLst>
               </a:tr>
@@ -16784,7 +16797,7 @@
                 </a:tc>
                 <a:extLst>
                   <a:ext uri="{0D108BD9-81ED-4DB2-BD59-A6C34878D82A}">
-                    <a16:rowId xmlns:a16="http://schemas.microsoft.com/office/drawing/2014/main" xmlns="" val="3166388372"/>
+                    <a16:rowId xmlns:a16="http://schemas.microsoft.com/office/drawing/2014/main" val="3166388372"/>
                   </a:ext>
                 </a:extLst>
               </a:tr>
@@ -16944,7 +16957,7 @@
                 </a:tc>
                 <a:extLst>
                   <a:ext uri="{0D108BD9-81ED-4DB2-BD59-A6C34878D82A}">
-                    <a16:rowId xmlns:a16="http://schemas.microsoft.com/office/drawing/2014/main" xmlns="" val="1274219464"/>
+                    <a16:rowId xmlns:a16="http://schemas.microsoft.com/office/drawing/2014/main" val="1274219464"/>
                   </a:ext>
                 </a:extLst>
               </a:tr>
@@ -16957,7 +16970,7 @@
           <p:cNvPr id="6" name="Rectangle 1">
             <a:extLst>
               <a:ext uri="{FF2B5EF4-FFF2-40B4-BE49-F238E27FC236}">
-                <a16:creationId xmlns:a16="http://schemas.microsoft.com/office/drawing/2014/main" xmlns="" id="{D6343EEC-32BD-95AC-DE8E-85EBB1380033}"/>
+                <a16:creationId xmlns:a16="http://schemas.microsoft.com/office/drawing/2014/main" id="{D6343EEC-32BD-95AC-DE8E-85EBB1380033}"/>
               </a:ext>
             </a:extLst>
           </p:cNvPr>
@@ -17064,7 +17077,7 @@
           <p:cNvPr id="7" name="Table 6">
             <a:extLst>
               <a:ext uri="{FF2B5EF4-FFF2-40B4-BE49-F238E27FC236}">
-                <a16:creationId xmlns:a16="http://schemas.microsoft.com/office/drawing/2014/main" xmlns="" id="{DA95EF7A-7657-6959-93E0-90B545098DA8}"/>
+                <a16:creationId xmlns:a16="http://schemas.microsoft.com/office/drawing/2014/main" id="{DA95EF7A-7657-6959-93E0-90B545098DA8}"/>
               </a:ext>
             </a:extLst>
           </p:cNvPr>
@@ -17091,14 +17104,14 @@
                 <a:gridCol w="934066">
                   <a:extLst>
                     <a:ext uri="{9D8B030D-6E8A-4147-A177-3AD203B41FA5}">
-                      <a16:colId xmlns:a16="http://schemas.microsoft.com/office/drawing/2014/main" xmlns="" val="4203053126"/>
+                      <a16:colId xmlns:a16="http://schemas.microsoft.com/office/drawing/2014/main" val="4203053126"/>
                     </a:ext>
                   </a:extLst>
                 </a:gridCol>
                 <a:gridCol w="1736570">
                   <a:extLst>
                     <a:ext uri="{9D8B030D-6E8A-4147-A177-3AD203B41FA5}">
-                      <a16:colId xmlns:a16="http://schemas.microsoft.com/office/drawing/2014/main" xmlns="" val="1633111465"/>
+                      <a16:colId xmlns:a16="http://schemas.microsoft.com/office/drawing/2014/main" val="1633111465"/>
                     </a:ext>
                   </a:extLst>
                 </a:gridCol>
@@ -17209,7 +17222,7 @@
                 </a:tc>
                 <a:extLst>
                   <a:ext uri="{0D108BD9-81ED-4DB2-BD59-A6C34878D82A}">
-                    <a16:rowId xmlns:a16="http://schemas.microsoft.com/office/drawing/2014/main" xmlns="" val="1220228171"/>
+                    <a16:rowId xmlns:a16="http://schemas.microsoft.com/office/drawing/2014/main" val="1220228171"/>
                   </a:ext>
                 </a:extLst>
               </a:tr>
@@ -17318,7 +17331,7 @@
                 </a:tc>
                 <a:extLst>
                   <a:ext uri="{0D108BD9-81ED-4DB2-BD59-A6C34878D82A}">
-                    <a16:rowId xmlns:a16="http://schemas.microsoft.com/office/drawing/2014/main" xmlns="" val="2358695932"/>
+                    <a16:rowId xmlns:a16="http://schemas.microsoft.com/office/drawing/2014/main" val="2358695932"/>
                   </a:ext>
                 </a:extLst>
               </a:tr>
@@ -17427,7 +17440,7 @@
                 </a:tc>
                 <a:extLst>
                   <a:ext uri="{0D108BD9-81ED-4DB2-BD59-A6C34878D82A}">
-                    <a16:rowId xmlns:a16="http://schemas.microsoft.com/office/drawing/2014/main" xmlns="" val="3255025986"/>
+                    <a16:rowId xmlns:a16="http://schemas.microsoft.com/office/drawing/2014/main" val="3255025986"/>
                   </a:ext>
                 </a:extLst>
               </a:tr>
@@ -17440,7 +17453,7 @@
           <p:cNvPr id="8" name="Rectangle 2">
             <a:extLst>
               <a:ext uri="{FF2B5EF4-FFF2-40B4-BE49-F238E27FC236}">
-                <a16:creationId xmlns:a16="http://schemas.microsoft.com/office/drawing/2014/main" xmlns="" id="{3ACC1A23-4B15-33DE-47BF-F97B34A3401C}"/>
+                <a16:creationId xmlns:a16="http://schemas.microsoft.com/office/drawing/2014/main" id="{3ACC1A23-4B15-33DE-47BF-F97B34A3401C}"/>
               </a:ext>
             </a:extLst>
           </p:cNvPr>
@@ -17547,7 +17560,7 @@
           <p:cNvPr id="9" name="Table 8">
             <a:extLst>
               <a:ext uri="{FF2B5EF4-FFF2-40B4-BE49-F238E27FC236}">
-                <a16:creationId xmlns:a16="http://schemas.microsoft.com/office/drawing/2014/main" xmlns="" id="{280F7C1E-CF48-0D1C-928B-7AF11C2E94E4}"/>
+                <a16:creationId xmlns:a16="http://schemas.microsoft.com/office/drawing/2014/main" id="{280F7C1E-CF48-0D1C-928B-7AF11C2E94E4}"/>
               </a:ext>
             </a:extLst>
           </p:cNvPr>
@@ -17574,28 +17587,28 @@
                 <a:gridCol w="1135628">
                   <a:extLst>
                     <a:ext uri="{9D8B030D-6E8A-4147-A177-3AD203B41FA5}">
-                      <a16:colId xmlns:a16="http://schemas.microsoft.com/office/drawing/2014/main" xmlns="" val="3729505292"/>
+                      <a16:colId xmlns:a16="http://schemas.microsoft.com/office/drawing/2014/main" val="3729505292"/>
                     </a:ext>
                   </a:extLst>
                 </a:gridCol>
                 <a:gridCol w="943897">
                   <a:extLst>
                     <a:ext uri="{9D8B030D-6E8A-4147-A177-3AD203B41FA5}">
-                      <a16:colId xmlns:a16="http://schemas.microsoft.com/office/drawing/2014/main" xmlns="" val="494543149"/>
+                      <a16:colId xmlns:a16="http://schemas.microsoft.com/office/drawing/2014/main" val="494543149"/>
                     </a:ext>
                   </a:extLst>
                 </a:gridCol>
                 <a:gridCol w="1484671">
                   <a:extLst>
                     <a:ext uri="{9D8B030D-6E8A-4147-A177-3AD203B41FA5}">
-                      <a16:colId xmlns:a16="http://schemas.microsoft.com/office/drawing/2014/main" xmlns="" val="3829846461"/>
+                      <a16:colId xmlns:a16="http://schemas.microsoft.com/office/drawing/2014/main" val="3829846461"/>
                     </a:ext>
                   </a:extLst>
                 </a:gridCol>
                 <a:gridCol w="1460089">
                   <a:extLst>
                     <a:ext uri="{9D8B030D-6E8A-4147-A177-3AD203B41FA5}">
-                      <a16:colId xmlns:a16="http://schemas.microsoft.com/office/drawing/2014/main" xmlns="" val="1498864692"/>
+                      <a16:colId xmlns:a16="http://schemas.microsoft.com/office/drawing/2014/main" val="1498864692"/>
                     </a:ext>
                   </a:extLst>
                 </a:gridCol>
@@ -17807,7 +17820,7 @@
                 </a:tc>
                 <a:extLst>
                   <a:ext uri="{0D108BD9-81ED-4DB2-BD59-A6C34878D82A}">
-                    <a16:rowId xmlns:a16="http://schemas.microsoft.com/office/drawing/2014/main" xmlns="" val="2489179110"/>
+                    <a16:rowId xmlns:a16="http://schemas.microsoft.com/office/drawing/2014/main" val="2489179110"/>
                   </a:ext>
                 </a:extLst>
               </a:tr>
@@ -18018,7 +18031,7 @@
                 </a:tc>
                 <a:extLst>
                   <a:ext uri="{0D108BD9-81ED-4DB2-BD59-A6C34878D82A}">
-                    <a16:rowId xmlns:a16="http://schemas.microsoft.com/office/drawing/2014/main" xmlns="" val="2027057315"/>
+                    <a16:rowId xmlns:a16="http://schemas.microsoft.com/office/drawing/2014/main" val="2027057315"/>
                   </a:ext>
                 </a:extLst>
               </a:tr>
@@ -18229,7 +18242,7 @@
                 </a:tc>
                 <a:extLst>
                   <a:ext uri="{0D108BD9-81ED-4DB2-BD59-A6C34878D82A}">
-                    <a16:rowId xmlns:a16="http://schemas.microsoft.com/office/drawing/2014/main" xmlns="" val="1115646665"/>
+                    <a16:rowId xmlns:a16="http://schemas.microsoft.com/office/drawing/2014/main" val="1115646665"/>
                   </a:ext>
                 </a:extLst>
               </a:tr>
@@ -18440,7 +18453,7 @@
                 </a:tc>
                 <a:extLst>
                   <a:ext uri="{0D108BD9-81ED-4DB2-BD59-A6C34878D82A}">
-                    <a16:rowId xmlns:a16="http://schemas.microsoft.com/office/drawing/2014/main" xmlns="" val="1985700679"/>
+                    <a16:rowId xmlns:a16="http://schemas.microsoft.com/office/drawing/2014/main" val="1985700679"/>
                   </a:ext>
                 </a:extLst>
               </a:tr>
@@ -18651,7 +18664,7 @@
                 </a:tc>
                 <a:extLst>
                   <a:ext uri="{0D108BD9-81ED-4DB2-BD59-A6C34878D82A}">
-                    <a16:rowId xmlns:a16="http://schemas.microsoft.com/office/drawing/2014/main" xmlns="" val="263483017"/>
+                    <a16:rowId xmlns:a16="http://schemas.microsoft.com/office/drawing/2014/main" val="263483017"/>
                   </a:ext>
                 </a:extLst>
               </a:tr>
@@ -18664,7 +18677,7 @@
           <p:cNvPr id="10" name="Rectangle 3">
             <a:extLst>
               <a:ext uri="{FF2B5EF4-FFF2-40B4-BE49-F238E27FC236}">
-                <a16:creationId xmlns:a16="http://schemas.microsoft.com/office/drawing/2014/main" xmlns="" id="{E0D7EA16-B8AF-F5EA-E960-D0473A26DA7A}"/>
+                <a16:creationId xmlns:a16="http://schemas.microsoft.com/office/drawing/2014/main" id="{E0D7EA16-B8AF-F5EA-E960-D0473A26DA7A}"/>
               </a:ext>
             </a:extLst>
           </p:cNvPr>
@@ -18766,13 +18779,6 @@
   <p:clrMapOvr>
     <a:masterClrMapping/>
   </p:clrMapOvr>
-  <p:timing>
-    <p:tnLst>
-      <p:par>
-        <p:cTn id="1" dur="indefinite" restart="never" nodeType="tmRoot"/>
-      </p:par>
-    </p:tnLst>
-  </p:timing>
 </p:sld>
 </file>
 
@@ -18798,7 +18804,7 @@
           <p:cNvPr id="2" name="Title 1">
             <a:extLst>
               <a:ext uri="{FF2B5EF4-FFF2-40B4-BE49-F238E27FC236}">
-                <a16:creationId xmlns:a16="http://schemas.microsoft.com/office/drawing/2014/main" xmlns="" id="{717F4DD5-5546-A43B-AB69-53C12F07D527}"/>
+                <a16:creationId xmlns:a16="http://schemas.microsoft.com/office/drawing/2014/main" id="{717F4DD5-5546-A43B-AB69-53C12F07D527}"/>
               </a:ext>
             </a:extLst>
           </p:cNvPr>
@@ -18827,7 +18833,7 @@
           <p:cNvPr id="4" name="Slide Number Placeholder 3">
             <a:extLst>
               <a:ext uri="{FF2B5EF4-FFF2-40B4-BE49-F238E27FC236}">
-                <a16:creationId xmlns:a16="http://schemas.microsoft.com/office/drawing/2014/main" xmlns="" id="{1D7431A2-C6B0-0669-1414-B46AA66A6AB5}"/>
+                <a16:creationId xmlns:a16="http://schemas.microsoft.com/office/drawing/2014/main" id="{1D7431A2-C6B0-0669-1414-B46AA66A6AB5}"/>
               </a:ext>
             </a:extLst>
           </p:cNvPr>
@@ -18869,7 +18875,7 @@
           <p:cNvPr id="26" name="Table 25">
             <a:extLst>
               <a:ext uri="{FF2B5EF4-FFF2-40B4-BE49-F238E27FC236}">
-                <a16:creationId xmlns:a16="http://schemas.microsoft.com/office/drawing/2014/main" xmlns="" id="{4F2455A1-814A-7B87-928D-67B06A454563}"/>
+                <a16:creationId xmlns:a16="http://schemas.microsoft.com/office/drawing/2014/main" id="{4F2455A1-814A-7B87-928D-67B06A454563}"/>
               </a:ext>
             </a:extLst>
           </p:cNvPr>
@@ -18896,28 +18902,28 @@
                 <a:gridCol w="1117139">
                   <a:extLst>
                     <a:ext uri="{9D8B030D-6E8A-4147-A177-3AD203B41FA5}">
-                      <a16:colId xmlns:a16="http://schemas.microsoft.com/office/drawing/2014/main" xmlns="" val="2762278993"/>
+                      <a16:colId xmlns:a16="http://schemas.microsoft.com/office/drawing/2014/main" val="2762278993"/>
                     </a:ext>
                   </a:extLst>
                 </a:gridCol>
                 <a:gridCol w="806245">
                   <a:extLst>
                     <a:ext uri="{9D8B030D-6E8A-4147-A177-3AD203B41FA5}">
-                      <a16:colId xmlns:a16="http://schemas.microsoft.com/office/drawing/2014/main" xmlns="" val="1262558564"/>
+                      <a16:colId xmlns:a16="http://schemas.microsoft.com/office/drawing/2014/main" val="1262558564"/>
                     </a:ext>
                   </a:extLst>
                 </a:gridCol>
                 <a:gridCol w="1140542">
                   <a:extLst>
                     <a:ext uri="{9D8B030D-6E8A-4147-A177-3AD203B41FA5}">
-                      <a16:colId xmlns:a16="http://schemas.microsoft.com/office/drawing/2014/main" xmlns="" val="2477039125"/>
+                      <a16:colId xmlns:a16="http://schemas.microsoft.com/office/drawing/2014/main" val="2477039125"/>
                     </a:ext>
                   </a:extLst>
                 </a:gridCol>
                 <a:gridCol w="1887794">
                   <a:extLst>
                     <a:ext uri="{9D8B030D-6E8A-4147-A177-3AD203B41FA5}">
-                      <a16:colId xmlns:a16="http://schemas.microsoft.com/office/drawing/2014/main" xmlns="" val="4276924365"/>
+                      <a16:colId xmlns:a16="http://schemas.microsoft.com/office/drawing/2014/main" val="4276924365"/>
                     </a:ext>
                   </a:extLst>
                 </a:gridCol>
@@ -19129,7 +19135,7 @@
                 </a:tc>
                 <a:extLst>
                   <a:ext uri="{0D108BD9-81ED-4DB2-BD59-A6C34878D82A}">
-                    <a16:rowId xmlns:a16="http://schemas.microsoft.com/office/drawing/2014/main" xmlns="" val="4082104878"/>
+                    <a16:rowId xmlns:a16="http://schemas.microsoft.com/office/drawing/2014/main" val="4082104878"/>
                   </a:ext>
                 </a:extLst>
               </a:tr>
@@ -19340,7 +19346,7 @@
                 </a:tc>
                 <a:extLst>
                   <a:ext uri="{0D108BD9-81ED-4DB2-BD59-A6C34878D82A}">
-                    <a16:rowId xmlns:a16="http://schemas.microsoft.com/office/drawing/2014/main" xmlns="" val="3516879356"/>
+                    <a16:rowId xmlns:a16="http://schemas.microsoft.com/office/drawing/2014/main" val="3516879356"/>
                   </a:ext>
                 </a:extLst>
               </a:tr>
@@ -19551,7 +19557,7 @@
                 </a:tc>
                 <a:extLst>
                   <a:ext uri="{0D108BD9-81ED-4DB2-BD59-A6C34878D82A}">
-                    <a16:rowId xmlns:a16="http://schemas.microsoft.com/office/drawing/2014/main" xmlns="" val="2754355436"/>
+                    <a16:rowId xmlns:a16="http://schemas.microsoft.com/office/drawing/2014/main" val="2754355436"/>
                   </a:ext>
                 </a:extLst>
               </a:tr>
@@ -19762,7 +19768,7 @@
                 </a:tc>
                 <a:extLst>
                   <a:ext uri="{0D108BD9-81ED-4DB2-BD59-A6C34878D82A}">
-                    <a16:rowId xmlns:a16="http://schemas.microsoft.com/office/drawing/2014/main" xmlns="" val="1578018948"/>
+                    <a16:rowId xmlns:a16="http://schemas.microsoft.com/office/drawing/2014/main" val="1578018948"/>
                   </a:ext>
                 </a:extLst>
               </a:tr>
@@ -19973,7 +19979,7 @@
                 </a:tc>
                 <a:extLst>
                   <a:ext uri="{0D108BD9-81ED-4DB2-BD59-A6C34878D82A}">
-                    <a16:rowId xmlns:a16="http://schemas.microsoft.com/office/drawing/2014/main" xmlns="" val="2792460657"/>
+                    <a16:rowId xmlns:a16="http://schemas.microsoft.com/office/drawing/2014/main" val="2792460657"/>
                   </a:ext>
                 </a:extLst>
               </a:tr>
@@ -19986,7 +19992,7 @@
           <p:cNvPr id="27" name="Rectangle 3">
             <a:extLst>
               <a:ext uri="{FF2B5EF4-FFF2-40B4-BE49-F238E27FC236}">
-                <a16:creationId xmlns:a16="http://schemas.microsoft.com/office/drawing/2014/main" xmlns="" id="{808CA32B-9B09-FBB2-30A3-2F399528AC9D}"/>
+                <a16:creationId xmlns:a16="http://schemas.microsoft.com/office/drawing/2014/main" id="{808CA32B-9B09-FBB2-30A3-2F399528AC9D}"/>
               </a:ext>
             </a:extLst>
           </p:cNvPr>
@@ -20233,13 +20239,6 @@
   <p:clrMapOvr>
     <a:masterClrMapping/>
   </p:clrMapOvr>
-  <p:timing>
-    <p:tnLst>
-      <p:par>
-        <p:cTn id="1" dur="indefinite" restart="never" nodeType="tmRoot"/>
-      </p:par>
-    </p:tnLst>
-  </p:timing>
 </p:sld>
 </file>
 
@@ -20265,7 +20264,7 @@
           <p:cNvPr id="2" name="Title 1">
             <a:extLst>
               <a:ext uri="{FF2B5EF4-FFF2-40B4-BE49-F238E27FC236}">
-                <a16:creationId xmlns:a16="http://schemas.microsoft.com/office/drawing/2014/main" xmlns="" id="{11A5AAB3-AF83-2878-58E8-6C88C0CC16FD}"/>
+                <a16:creationId xmlns:a16="http://schemas.microsoft.com/office/drawing/2014/main" id="{11A5AAB3-AF83-2878-58E8-6C88C0CC16FD}"/>
               </a:ext>
             </a:extLst>
           </p:cNvPr>
@@ -20294,7 +20293,7 @@
           <p:cNvPr id="3" name="Text Placeholder 2">
             <a:extLst>
               <a:ext uri="{FF2B5EF4-FFF2-40B4-BE49-F238E27FC236}">
-                <a16:creationId xmlns:a16="http://schemas.microsoft.com/office/drawing/2014/main" xmlns="" id="{70A9CAEE-0814-A44E-A83C-567FAC8860CB}"/>
+                <a16:creationId xmlns:a16="http://schemas.microsoft.com/office/drawing/2014/main" id="{70A9CAEE-0814-A44E-A83C-567FAC8860CB}"/>
               </a:ext>
             </a:extLst>
           </p:cNvPr>
@@ -20385,7 +20384,7 @@
           <p:cNvPr id="4" name="Slide Number Placeholder 3">
             <a:extLst>
               <a:ext uri="{FF2B5EF4-FFF2-40B4-BE49-F238E27FC236}">
-                <a16:creationId xmlns:a16="http://schemas.microsoft.com/office/drawing/2014/main" xmlns="" id="{9F57A6E0-32F6-ACC7-41C8-B296FA6F2080}"/>
+                <a16:creationId xmlns:a16="http://schemas.microsoft.com/office/drawing/2014/main" id="{9F57A6E0-32F6-ACC7-41C8-B296FA6F2080}"/>
               </a:ext>
             </a:extLst>
           </p:cNvPr>
@@ -20427,7 +20426,7 @@
           <p:cNvPr id="15" name="Table 14">
             <a:extLst>
               <a:ext uri="{FF2B5EF4-FFF2-40B4-BE49-F238E27FC236}">
-                <a16:creationId xmlns:a16="http://schemas.microsoft.com/office/drawing/2014/main" xmlns="" id="{D64DB832-63B5-1F04-86DA-3764200C100A}"/>
+                <a16:creationId xmlns:a16="http://schemas.microsoft.com/office/drawing/2014/main" id="{D64DB832-63B5-1F04-86DA-3764200C100A}"/>
               </a:ext>
             </a:extLst>
           </p:cNvPr>
@@ -20454,28 +20453,28 @@
                 <a:gridCol w="1653343">
                   <a:extLst>
                     <a:ext uri="{9D8B030D-6E8A-4147-A177-3AD203B41FA5}">
-                      <a16:colId xmlns:a16="http://schemas.microsoft.com/office/drawing/2014/main" xmlns="" val="2816850987"/>
+                      <a16:colId xmlns:a16="http://schemas.microsoft.com/office/drawing/2014/main" val="2816850987"/>
                     </a:ext>
                   </a:extLst>
                 </a:gridCol>
                 <a:gridCol w="1653343">
                   <a:extLst>
                     <a:ext uri="{9D8B030D-6E8A-4147-A177-3AD203B41FA5}">
-                      <a16:colId xmlns:a16="http://schemas.microsoft.com/office/drawing/2014/main" xmlns="" val="2704057376"/>
+                      <a16:colId xmlns:a16="http://schemas.microsoft.com/office/drawing/2014/main" val="2704057376"/>
                     </a:ext>
                   </a:extLst>
                 </a:gridCol>
                 <a:gridCol w="1653343">
                   <a:extLst>
                     <a:ext uri="{9D8B030D-6E8A-4147-A177-3AD203B41FA5}">
-                      <a16:colId xmlns:a16="http://schemas.microsoft.com/office/drawing/2014/main" xmlns="" val="3335795904"/>
+                      <a16:colId xmlns:a16="http://schemas.microsoft.com/office/drawing/2014/main" val="3335795904"/>
                     </a:ext>
                   </a:extLst>
                 </a:gridCol>
                 <a:gridCol w="1653343">
                   <a:extLst>
                     <a:ext uri="{9D8B030D-6E8A-4147-A177-3AD203B41FA5}">
-                      <a16:colId xmlns:a16="http://schemas.microsoft.com/office/drawing/2014/main" xmlns="" val="3892113525"/>
+                      <a16:colId xmlns:a16="http://schemas.microsoft.com/office/drawing/2014/main" val="3892113525"/>
                     </a:ext>
                   </a:extLst>
                 </a:gridCol>
@@ -20689,7 +20688,7 @@
                 </a:tc>
                 <a:extLst>
                   <a:ext uri="{0D108BD9-81ED-4DB2-BD59-A6C34878D82A}">
-                    <a16:rowId xmlns:a16="http://schemas.microsoft.com/office/drawing/2014/main" xmlns="" val="3413396223"/>
+                    <a16:rowId xmlns:a16="http://schemas.microsoft.com/office/drawing/2014/main" val="3413396223"/>
                   </a:ext>
                 </a:extLst>
               </a:tr>
@@ -20900,7 +20899,7 @@
                 </a:tc>
                 <a:extLst>
                   <a:ext uri="{0D108BD9-81ED-4DB2-BD59-A6C34878D82A}">
-                    <a16:rowId xmlns:a16="http://schemas.microsoft.com/office/drawing/2014/main" xmlns="" val="2853855055"/>
+                    <a16:rowId xmlns:a16="http://schemas.microsoft.com/office/drawing/2014/main" val="2853855055"/>
                   </a:ext>
                 </a:extLst>
               </a:tr>
@@ -21111,7 +21110,7 @@
                 </a:tc>
                 <a:extLst>
                   <a:ext uri="{0D108BD9-81ED-4DB2-BD59-A6C34878D82A}">
-                    <a16:rowId xmlns:a16="http://schemas.microsoft.com/office/drawing/2014/main" xmlns="" val="989512376"/>
+                    <a16:rowId xmlns:a16="http://schemas.microsoft.com/office/drawing/2014/main" val="989512376"/>
                   </a:ext>
                 </a:extLst>
               </a:tr>
@@ -21322,7 +21321,7 @@
                 </a:tc>
                 <a:extLst>
                   <a:ext uri="{0D108BD9-81ED-4DB2-BD59-A6C34878D82A}">
-                    <a16:rowId xmlns:a16="http://schemas.microsoft.com/office/drawing/2014/main" xmlns="" val="3930908383"/>
+                    <a16:rowId xmlns:a16="http://schemas.microsoft.com/office/drawing/2014/main" val="3930908383"/>
                   </a:ext>
                 </a:extLst>
               </a:tr>
@@ -21533,7 +21532,7 @@
                 </a:tc>
                 <a:extLst>
                   <a:ext uri="{0D108BD9-81ED-4DB2-BD59-A6C34878D82A}">
-                    <a16:rowId xmlns:a16="http://schemas.microsoft.com/office/drawing/2014/main" xmlns="" val="2605182450"/>
+                    <a16:rowId xmlns:a16="http://schemas.microsoft.com/office/drawing/2014/main" val="2605182450"/>
                   </a:ext>
                 </a:extLst>
               </a:tr>
@@ -21551,13 +21550,6 @@
   <p:clrMapOvr>
     <a:masterClrMapping/>
   </p:clrMapOvr>
-  <p:timing>
-    <p:tnLst>
-      <p:par>
-        <p:cTn id="1" dur="indefinite" restart="never" nodeType="tmRoot"/>
-      </p:par>
-    </p:tnLst>
-  </p:timing>
 </p:sld>
 </file>
 
@@ -21798,19 +21790,7 @@
                 <a:cs typeface="Arial"/>
                 <a:sym typeface="Arial"/>
               </a:rPr>
-              <a:t>The division operation is applied to two relations </a:t>
-            </a:r>
-            <a:r>
-              <a:rPr lang="en-US" sz="2200" b="0" i="0" u="none" dirty="0" smtClean="0">
-                <a:solidFill>
-                  <a:srgbClr val="800000"/>
-                </a:solidFill>
-                <a:latin typeface="Arial"/>
-                <a:ea typeface="Arial"/>
-                <a:cs typeface="Arial"/>
-                <a:sym typeface="Arial"/>
-              </a:rPr>
-              <a:t>R and S</a:t>
+              <a:t>The division operation is applied to two relations R and S</a:t>
             </a:r>
             <a:endParaRPr dirty="0"/>
           </a:p>
@@ -21833,7 +21813,7 @@
               <a:buChar char="■"/>
             </a:pPr>
             <a:r>
-              <a:rPr lang="en-US" sz="2200" b="0" i="0" u="none" dirty="0" smtClean="0">
+              <a:rPr lang="en-US" sz="2200" b="0" i="0" u="none" dirty="0">
                 <a:solidFill>
                   <a:srgbClr val="800000"/>
                 </a:solidFill>
@@ -21842,19 +21822,7 @@
                 <a:cs typeface="Arial"/>
                 <a:sym typeface="Arial"/>
               </a:rPr>
-              <a:t>R(Z</a:t>
-            </a:r>
-            <a:r>
-              <a:rPr lang="en-US" sz="2200" b="0" i="0" u="none" dirty="0">
-                <a:solidFill>
-                  <a:srgbClr val="800000"/>
-                </a:solidFill>
-                <a:latin typeface="Arial"/>
-                <a:ea typeface="Arial"/>
-                <a:cs typeface="Arial"/>
-                <a:sym typeface="Arial"/>
-              </a:rPr>
-              <a:t>) </a:t>
+              <a:t>R(Z) </a:t>
             </a:r>
             <a:r>
               <a:rPr lang="en-US" sz="2200" b="0" i="0" u="none" dirty="0">
@@ -21878,41 +21846,8 @@
                 <a:cs typeface="Arial"/>
                 <a:sym typeface="Arial"/>
               </a:rPr>
-              <a:t> S(X), </a:t>
-            </a:r>
-            <a:r>
-              <a:rPr lang="en-US" sz="2200" b="0" i="0" u="none" dirty="0" smtClean="0">
-                <a:solidFill>
-                  <a:srgbClr val="800000"/>
-                </a:solidFill>
-                <a:latin typeface="Arial"/>
-                <a:ea typeface="Arial"/>
-                <a:cs typeface="Arial"/>
-                <a:sym typeface="Arial"/>
-              </a:rPr>
-              <a:t>where X is subset of </a:t>
-            </a:r>
-            <a:r>
-              <a:rPr lang="en-US" sz="2200" b="0" i="0" u="none" dirty="0">
-                <a:solidFill>
-                  <a:srgbClr val="800000"/>
-                </a:solidFill>
-                <a:latin typeface="Arial"/>
-                <a:ea typeface="Arial"/>
-                <a:cs typeface="Arial"/>
-                <a:sym typeface="Arial"/>
-              </a:rPr>
-              <a:t>Z. </a:t>
-            </a:r>
-            <a:endParaRPr lang="en-US" sz="2200" b="0" i="0" u="none" dirty="0" smtClean="0">
-              <a:solidFill>
-                <a:srgbClr val="800000"/>
-              </a:solidFill>
-              <a:latin typeface="Arial"/>
-              <a:ea typeface="Arial"/>
-              <a:cs typeface="Arial"/>
-              <a:sym typeface="Arial"/>
-            </a:endParaRPr>
+              <a:t> S(X), where X is subset of Z. </a:t>
+            </a:r>
           </a:p>
           <a:p>
             <a:pPr marL="742950" lvl="1" indent="-208915" algn="l" rtl="0">
@@ -21944,25 +21879,16 @@
           </a:p>
           <a:p>
             <a:r>
-              <a:rPr lang="en-US" dirty="0" smtClean="0"/>
-              <a:t>The </a:t>
-            </a:r>
-            <a:r>
               <a:rPr lang="en-US" dirty="0"/>
-              <a:t>division operator is used for queries which involve the 'all'.</a:t>
+              <a:t>The division operator is used for queries which involve the 'all'.</a:t>
             </a:r>
           </a:p>
           <a:p>
             <a:pPr lvl="1"/>
             <a:r>
               <a:rPr lang="en-US" dirty="0"/>
-              <a:t>R1 ÷ R2 = tuples of R1 associated with all tuples of R2</a:t>
-            </a:r>
-            <a:r>
-              <a:rPr lang="en-US" dirty="0" smtClean="0"/>
-              <a:t>.</a:t>
-            </a:r>
-            <a:endParaRPr lang="en-US" dirty="0"/>
+              <a:t>R1 ÷ R2 = tuples of R1 associated with all tuples of R2.</a:t>
+            </a:r>
           </a:p>
           <a:p>
             <a:r>
@@ -21992,13 +21918,6 @@
   <p:clrMapOvr>
     <a:masterClrMapping/>
   </p:clrMapOvr>
-  <p:timing>
-    <p:tnLst>
-      <p:par>
-        <p:cTn id="1" dur="indefinite" restart="never" nodeType="tmRoot"/>
-      </p:par>
-    </p:tnLst>
-  </p:timing>
 </p:sld>
 </file>
 
@@ -22621,7 +22540,7 @@
               <a:buNone/>
             </a:pPr>
             <a:r>
-              <a:rPr lang="en-US" smtClean="0"/>
+              <a:rPr lang="en-US"/>
               <a:t>Slide 6- </a:t>
             </a:r>
             <a:fld id="{00000000-1234-1234-1234-123412341234}" type="slidenum">
@@ -22804,13 +22723,6 @@
   <p:clrMapOvr>
     <a:masterClrMapping/>
   </p:clrMapOvr>
-  <p:timing>
-    <p:tnLst>
-      <p:par>
-        <p:cTn id="1" dur="indefinite" restart="never" nodeType="tmRoot"/>
-      </p:par>
-    </p:tnLst>
-  </p:timing>
 </p:sld>
 </file>
 
@@ -22836,7 +22748,7 @@
           <p:cNvPr id="2" name="Title 1">
             <a:extLst>
               <a:ext uri="{FF2B5EF4-FFF2-40B4-BE49-F238E27FC236}">
-                <a16:creationId xmlns:a16="http://schemas.microsoft.com/office/drawing/2014/main" xmlns="" id="{49E58CB0-145C-544E-D3C2-E20432323864}"/>
+                <a16:creationId xmlns:a16="http://schemas.microsoft.com/office/drawing/2014/main" id="{49E58CB0-145C-544E-D3C2-E20432323864}"/>
               </a:ext>
             </a:extLst>
           </p:cNvPr>
@@ -22861,7 +22773,7 @@
           <p:cNvPr id="3" name="Text Placeholder 2">
             <a:extLst>
               <a:ext uri="{FF2B5EF4-FFF2-40B4-BE49-F238E27FC236}">
-                <a16:creationId xmlns:a16="http://schemas.microsoft.com/office/drawing/2014/main" xmlns="" id="{11199E04-358A-3E6B-8FF1-C14546913B66}"/>
+                <a16:creationId xmlns:a16="http://schemas.microsoft.com/office/drawing/2014/main" id="{11199E04-358A-3E6B-8FF1-C14546913B66}"/>
               </a:ext>
             </a:extLst>
           </p:cNvPr>
@@ -22889,7 +22801,7 @@
           <p:cNvPr id="4" name="Slide Number Placeholder 3">
             <a:extLst>
               <a:ext uri="{FF2B5EF4-FFF2-40B4-BE49-F238E27FC236}">
-                <a16:creationId xmlns:a16="http://schemas.microsoft.com/office/drawing/2014/main" xmlns="" id="{50AB4010-5CC3-91FE-2239-A209E657A187}"/>
+                <a16:creationId xmlns:a16="http://schemas.microsoft.com/office/drawing/2014/main" id="{50AB4010-5CC3-91FE-2239-A209E657A187}"/>
               </a:ext>
             </a:extLst>
           </p:cNvPr>
@@ -22931,7 +22843,7 @@
           <p:cNvPr id="6" name="Picture 5">
             <a:extLst>
               <a:ext uri="{FF2B5EF4-FFF2-40B4-BE49-F238E27FC236}">
-                <a16:creationId xmlns:a16="http://schemas.microsoft.com/office/drawing/2014/main" xmlns="" id="{37F3B535-B3BB-EEB8-8502-C5B6C9A04698}"/>
+                <a16:creationId xmlns:a16="http://schemas.microsoft.com/office/drawing/2014/main" id="{37F3B535-B3BB-EEB8-8502-C5B6C9A04698}"/>
               </a:ext>
             </a:extLst>
           </p:cNvPr>
@@ -22961,7 +22873,7 @@
           <p:cNvPr id="8" name="Picture 7">
             <a:extLst>
               <a:ext uri="{FF2B5EF4-FFF2-40B4-BE49-F238E27FC236}">
-                <a16:creationId xmlns:a16="http://schemas.microsoft.com/office/drawing/2014/main" xmlns="" id="{19614902-364C-EC4A-5FE1-928F567A6172}"/>
+                <a16:creationId xmlns:a16="http://schemas.microsoft.com/office/drawing/2014/main" id="{19614902-364C-EC4A-5FE1-928F567A6172}"/>
               </a:ext>
             </a:extLst>
           </p:cNvPr>
@@ -22991,7 +22903,7 @@
           <p:cNvPr id="10" name="Picture 9">
             <a:extLst>
               <a:ext uri="{FF2B5EF4-FFF2-40B4-BE49-F238E27FC236}">
-                <a16:creationId xmlns:a16="http://schemas.microsoft.com/office/drawing/2014/main" xmlns="" id="{38FD310D-ACA3-76AD-7ACB-9D8C5E31AAC0}"/>
+                <a16:creationId xmlns:a16="http://schemas.microsoft.com/office/drawing/2014/main" id="{38FD310D-ACA3-76AD-7ACB-9D8C5E31AAC0}"/>
               </a:ext>
             </a:extLst>
           </p:cNvPr>
@@ -23021,7 +22933,7 @@
           <p:cNvPr id="12" name="Picture 11">
             <a:extLst>
               <a:ext uri="{FF2B5EF4-FFF2-40B4-BE49-F238E27FC236}">
-                <a16:creationId xmlns:a16="http://schemas.microsoft.com/office/drawing/2014/main" xmlns="" id="{D873EEA1-D995-C57C-A4B1-D1986D480C3C}"/>
+                <a16:creationId xmlns:a16="http://schemas.microsoft.com/office/drawing/2014/main" id="{D873EEA1-D995-C57C-A4B1-D1986D480C3C}"/>
               </a:ext>
             </a:extLst>
           </p:cNvPr>
@@ -23323,13 +23235,6 @@
   <p:clrMapOvr>
     <a:masterClrMapping/>
   </p:clrMapOvr>
-  <p:timing>
-    <p:tnLst>
-      <p:par>
-        <p:cTn id="1" dur="indefinite" restart="never" nodeType="tmRoot"/>
-      </p:par>
-    </p:tnLst>
-  </p:timing>
 </p:sld>
 </file>
 
@@ -23514,13 +23419,6 @@
   <p:clrMapOvr>
     <a:masterClrMapping/>
   </p:clrMapOvr>
-  <p:timing>
-    <p:tnLst>
-      <p:par>
-        <p:cTn id="1" dur="indefinite" restart="never" nodeType="tmRoot"/>
-      </p:par>
-    </p:tnLst>
-  </p:timing>
 </p:sld>
 </file>
 
@@ -23924,13 +23822,6 @@
   <p:clrMapOvr>
     <a:masterClrMapping/>
   </p:clrMapOvr>
-  <p:timing>
-    <p:tnLst>
-      <p:par>
-        <p:cTn id="1" dur="indefinite" restart="never" nodeType="tmRoot"/>
-      </p:par>
-    </p:tnLst>
-  </p:timing>
 </p:sld>
 </file>
 
@@ -24414,13 +24305,6 @@
   <p:clrMapOvr>
     <a:masterClrMapping/>
   </p:clrMapOvr>
-  <p:timing>
-    <p:tnLst>
-      <p:par>
-        <p:cTn id="1" dur="indefinite" restart="never" nodeType="tmRoot"/>
-      </p:par>
-    </p:tnLst>
-  </p:timing>
 </p:sld>
 </file>
 
@@ -25001,13 +24885,6 @@
   <p:clrMapOvr>
     <a:masterClrMapping/>
   </p:clrMapOvr>
-  <p:timing>
-    <p:tnLst>
-      <p:par>
-        <p:cTn id="1" dur="indefinite" restart="never" nodeType="tmRoot"/>
-      </p:par>
-    </p:tnLst>
-  </p:timing>
 </p:sld>
 </file>
 
@@ -25244,7 +25121,7 @@
           <p:cNvPr id="4" name="Picture 3">
             <a:extLst>
               <a:ext uri="{FF2B5EF4-FFF2-40B4-BE49-F238E27FC236}">
-                <a16:creationId xmlns:a16="http://schemas.microsoft.com/office/drawing/2014/main" xmlns="" id="{26096977-EABA-1DD1-6A06-ADB0873D08FD}"/>
+                <a16:creationId xmlns:a16="http://schemas.microsoft.com/office/drawing/2014/main" id="{26096977-EABA-1DD1-6A06-ADB0873D08FD}"/>
               </a:ext>
             </a:extLst>
           </p:cNvPr>
@@ -26505,13 +26382,6 @@
   <p:clrMapOvr>
     <a:masterClrMapping/>
   </p:clrMapOvr>
-  <p:timing>
-    <p:tnLst>
-      <p:par>
-        <p:cTn id="1" dur="indefinite" restart="never" nodeType="tmRoot"/>
-      </p:par>
-    </p:tnLst>
-  </p:timing>
 </p:sld>
 </file>
 
@@ -27538,13 +27408,6 @@
   <p:clrMapOvr>
     <a:masterClrMapping/>
   </p:clrMapOvr>
-  <p:timing>
-    <p:tnLst>
-      <p:par>
-        <p:cTn id="1" dur="indefinite" restart="never" nodeType="tmRoot"/>
-      </p:par>
-    </p:tnLst>
-  </p:timing>
 </p:sld>
 </file>
 
@@ -27581,7 +27444,7 @@
           <a:lstStyle/>
           <a:p>
             <a:r>
-              <a:rPr lang="en-US" sz="3200" dirty="0" smtClean="0"/>
+              <a:rPr lang="en-US" sz="3200" dirty="0"/>
               <a:t>Example: Department X Employee</a:t>
             </a:r>
             <a:endParaRPr lang="en-IN" sz="3200" dirty="0"/>
@@ -27603,25 +27466,25 @@
           <a:bodyPr/>
           <a:lstStyle/>
           <a:p>
-            <a:endParaRPr lang="en-US" dirty="0" smtClean="0"/>
+            <a:endParaRPr lang="en-US" dirty="0"/>
           </a:p>
           <a:p>
             <a:endParaRPr lang="en-US" dirty="0"/>
           </a:p>
           <a:p>
-            <a:endParaRPr lang="en-US" dirty="0" smtClean="0"/>
+            <a:endParaRPr lang="en-US" dirty="0"/>
           </a:p>
           <a:p>
             <a:endParaRPr lang="en-US" dirty="0"/>
           </a:p>
           <a:p>
-            <a:endParaRPr lang="en-US" dirty="0" smtClean="0"/>
+            <a:endParaRPr lang="en-US" dirty="0"/>
           </a:p>
           <a:p>
             <a:endParaRPr lang="en-US" dirty="0"/>
           </a:p>
           <a:p>
-            <a:endParaRPr lang="en-US" dirty="0" smtClean="0"/>
+            <a:endParaRPr lang="en-US" dirty="0"/>
           </a:p>
           <a:p>
             <a:endParaRPr lang="en-US" dirty="0"/>
@@ -27656,7 +27519,7 @@
               <a:buNone/>
             </a:pPr>
             <a:r>
-              <a:rPr lang="en-US" smtClean="0"/>
+              <a:rPr lang="en-US"/>
               <a:t>Slide 6- </a:t>
             </a:r>
             <a:fld id="{00000000-1234-1234-1234-123412341234}" type="slidenum">
@@ -27746,12 +27609,48 @@
                 <a:tableStyleId>{5C22544A-7EE6-4342-B048-85BDC9FD1C3A}</a:tableStyleId>
               </a:tblPr>
               <a:tblGrid>
-                <a:gridCol w="1421703"/>
-                <a:gridCol w="1390389"/>
-                <a:gridCol w="1465546"/>
-                <a:gridCol w="1240076"/>
-                <a:gridCol w="1168052"/>
-                <a:gridCol w="1337153"/>
+                <a:gridCol w="1421703">
+                  <a:extLst>
+                    <a:ext uri="{9D8B030D-6E8A-4147-A177-3AD203B41FA5}">
+                      <a16:colId xmlns:a16="http://schemas.microsoft.com/office/drawing/2014/main" val="20000"/>
+                    </a:ext>
+                  </a:extLst>
+                </a:gridCol>
+                <a:gridCol w="1390389">
+                  <a:extLst>
+                    <a:ext uri="{9D8B030D-6E8A-4147-A177-3AD203B41FA5}">
+                      <a16:colId xmlns:a16="http://schemas.microsoft.com/office/drawing/2014/main" val="20001"/>
+                    </a:ext>
+                  </a:extLst>
+                </a:gridCol>
+                <a:gridCol w="1465546">
+                  <a:extLst>
+                    <a:ext uri="{9D8B030D-6E8A-4147-A177-3AD203B41FA5}">
+                      <a16:colId xmlns:a16="http://schemas.microsoft.com/office/drawing/2014/main" val="20002"/>
+                    </a:ext>
+                  </a:extLst>
+                </a:gridCol>
+                <a:gridCol w="1240076">
+                  <a:extLst>
+                    <a:ext uri="{9D8B030D-6E8A-4147-A177-3AD203B41FA5}">
+                      <a16:colId xmlns:a16="http://schemas.microsoft.com/office/drawing/2014/main" val="20003"/>
+                    </a:ext>
+                  </a:extLst>
+                </a:gridCol>
+                <a:gridCol w="1168052">
+                  <a:extLst>
+                    <a:ext uri="{9D8B030D-6E8A-4147-A177-3AD203B41FA5}">
+                      <a16:colId xmlns:a16="http://schemas.microsoft.com/office/drawing/2014/main" val="20004"/>
+                    </a:ext>
+                  </a:extLst>
+                </a:gridCol>
+                <a:gridCol w="1337153">
+                  <a:extLst>
+                    <a:ext uri="{9D8B030D-6E8A-4147-A177-3AD203B41FA5}">
+                      <a16:colId xmlns:a16="http://schemas.microsoft.com/office/drawing/2014/main" val="20005"/>
+                    </a:ext>
+                  </a:extLst>
+                </a:gridCol>
               </a:tblGrid>
               <a:tr h="619922">
                 <a:tc>
@@ -27760,7 +27659,7 @@
                     <a:lstStyle/>
                     <a:p>
                       <a:r>
-                        <a:rPr lang="en-US" sz="1800" dirty="0" err="1" smtClean="0"/>
+                        <a:rPr lang="en-US" sz="1800" dirty="0" err="1"/>
                         <a:t>Dname</a:t>
                       </a:r>
                       <a:endParaRPr lang="en-IN" sz="1800" dirty="0"/>
@@ -27774,7 +27673,7 @@
                     <a:lstStyle/>
                     <a:p>
                       <a:r>
-                        <a:rPr lang="en-US" sz="1800" dirty="0" err="1" smtClean="0"/>
+                        <a:rPr lang="en-US" sz="1800" dirty="0" err="1"/>
                         <a:t>Dnumber</a:t>
                       </a:r>
                       <a:endParaRPr lang="en-IN" sz="1800" dirty="0"/>
@@ -27788,7 +27687,7 @@
                     <a:lstStyle/>
                     <a:p>
                       <a:r>
-                        <a:rPr lang="en-US" sz="1800" dirty="0" err="1" smtClean="0"/>
+                        <a:rPr lang="en-US" sz="1800" dirty="0" err="1"/>
                         <a:t>Mgr_ssn</a:t>
                       </a:r>
                       <a:endParaRPr lang="en-IN" sz="1800" dirty="0"/>
@@ -27802,7 +27701,7 @@
                     <a:lstStyle/>
                     <a:p>
                       <a:r>
-                        <a:rPr lang="en-US" sz="1800" dirty="0" err="1" smtClean="0"/>
+                        <a:rPr lang="en-US" sz="1800" dirty="0" err="1"/>
                         <a:t>Fname</a:t>
                       </a:r>
                       <a:endParaRPr lang="en-IN" sz="1800" dirty="0"/>
@@ -27816,7 +27715,7 @@
                     <a:lstStyle/>
                     <a:p>
                       <a:r>
-                        <a:rPr lang="en-US" sz="1800" dirty="0" err="1" smtClean="0"/>
+                        <a:rPr lang="en-US" sz="1800" dirty="0" err="1"/>
                         <a:t>Lname</a:t>
                       </a:r>
                       <a:endParaRPr lang="en-IN" sz="1800" dirty="0"/>
@@ -27830,7 +27729,7 @@
                     <a:lstStyle/>
                     <a:p>
                       <a:r>
-                        <a:rPr lang="en-US" sz="1800" dirty="0" err="1" smtClean="0"/>
+                        <a:rPr lang="en-US" sz="1800" dirty="0" err="1"/>
                         <a:t>Ssn</a:t>
                       </a:r>
                       <a:endParaRPr lang="en-IN" sz="1800" dirty="0"/>
@@ -27838,6 +27737,11 @@
                   </a:txBody>
                   <a:tcPr/>
                 </a:tc>
+                <a:extLst>
+                  <a:ext uri="{0D108BD9-81ED-4DB2-BD59-A6C34878D82A}">
+                    <a16:rowId xmlns:a16="http://schemas.microsoft.com/office/drawing/2014/main" val="10000"/>
+                  </a:ext>
+                </a:extLst>
               </a:tr>
               <a:tr h="388075">
                 <a:tc>
@@ -27846,7 +27750,7 @@
                     <a:lstStyle/>
                     <a:p>
                       <a:r>
-                        <a:rPr lang="en-US" sz="1800" dirty="0" smtClean="0"/>
+                        <a:rPr lang="en-US" sz="1800" dirty="0"/>
                         <a:t>Research</a:t>
                       </a:r>
                       <a:endParaRPr lang="en-IN" sz="1800" dirty="0"/>
@@ -27860,7 +27764,7 @@
                     <a:lstStyle/>
                     <a:p>
                       <a:r>
-                        <a:rPr lang="en-US" sz="1800" dirty="0" smtClean="0"/>
+                        <a:rPr lang="en-US" sz="1800" dirty="0"/>
                         <a:t>5</a:t>
                       </a:r>
                       <a:endParaRPr lang="en-IN" sz="1800" dirty="0"/>
@@ -27874,7 +27778,7 @@
                     <a:lstStyle/>
                     <a:p>
                       <a:r>
-                        <a:rPr lang="en-US" sz="1800" dirty="0" smtClean="0"/>
+                        <a:rPr lang="en-US" sz="1800" dirty="0"/>
                         <a:t>333445555</a:t>
                       </a:r>
                       <a:endParaRPr lang="en-IN" sz="1800" dirty="0"/>
@@ -27888,7 +27792,7 @@
                     <a:lstStyle/>
                     <a:p>
                       <a:r>
-                        <a:rPr lang="en-US" sz="1800" dirty="0" smtClean="0"/>
+                        <a:rPr lang="en-US" sz="1800" dirty="0"/>
                         <a:t>John</a:t>
                       </a:r>
                       <a:endParaRPr lang="en-IN" sz="1800" dirty="0"/>
@@ -27902,7 +27806,7 @@
                     <a:lstStyle/>
                     <a:p>
                       <a:r>
-                        <a:rPr lang="en-US" sz="1800" dirty="0" smtClean="0"/>
+                        <a:rPr lang="en-US" sz="1800" dirty="0"/>
                         <a:t>Smith</a:t>
                       </a:r>
                       <a:endParaRPr lang="en-IN" sz="1800" dirty="0"/>
@@ -27916,7 +27820,7 @@
                     <a:lstStyle/>
                     <a:p>
                       <a:r>
-                        <a:rPr lang="en-US" sz="1800" dirty="0" smtClean="0"/>
+                        <a:rPr lang="en-US" sz="1800" dirty="0"/>
                         <a:t>123456789</a:t>
                       </a:r>
                       <a:endParaRPr lang="en-IN" sz="1800" dirty="0"/>
@@ -27924,6 +27828,11 @@
                   </a:txBody>
                   <a:tcPr/>
                 </a:tc>
+                <a:extLst>
+                  <a:ext uri="{0D108BD9-81ED-4DB2-BD59-A6C34878D82A}">
+                    <a16:rowId xmlns:a16="http://schemas.microsoft.com/office/drawing/2014/main" val="10001"/>
+                  </a:ext>
+                </a:extLst>
               </a:tr>
               <a:tr h="338203">
                 <a:tc>
@@ -27932,7 +27841,7 @@
                     <a:lstStyle/>
                     <a:p>
                       <a:r>
-                        <a:rPr lang="en-US" sz="1800" dirty="0" smtClean="0"/>
+                        <a:rPr lang="en-US" sz="1800" dirty="0"/>
                         <a:t>Research</a:t>
                       </a:r>
                       <a:endParaRPr lang="en-IN" sz="1800" dirty="0"/>
@@ -27946,7 +27855,7 @@
                     <a:lstStyle/>
                     <a:p>
                       <a:r>
-                        <a:rPr lang="en-US" sz="1800" dirty="0" smtClean="0"/>
+                        <a:rPr lang="en-US" sz="1800" dirty="0"/>
                         <a:t>5</a:t>
                       </a:r>
                       <a:endParaRPr lang="en-IN" sz="1800" dirty="0"/>
@@ -27960,7 +27869,7 @@
                     <a:lstStyle/>
                     <a:p>
                       <a:r>
-                        <a:rPr lang="en-US" sz="1800" dirty="0" smtClean="0"/>
+                        <a:rPr lang="en-US" sz="1800" dirty="0"/>
                         <a:t>333445555</a:t>
                       </a:r>
                       <a:endParaRPr lang="en-IN" sz="1800" dirty="0"/>
@@ -27974,7 +27883,7 @@
                     <a:lstStyle/>
                     <a:p>
                       <a:r>
-                        <a:rPr lang="en-US" sz="1800" dirty="0" smtClean="0"/>
+                        <a:rPr lang="en-US" sz="1800" dirty="0"/>
                         <a:t>Franklin</a:t>
                       </a:r>
                       <a:endParaRPr lang="en-IN" sz="1800" dirty="0"/>
@@ -27988,7 +27897,7 @@
                     <a:lstStyle/>
                     <a:p>
                       <a:r>
-                        <a:rPr lang="en-US" sz="1800" dirty="0" smtClean="0"/>
+                        <a:rPr lang="en-US" sz="1800" dirty="0"/>
                         <a:t>Wong</a:t>
                       </a:r>
                       <a:endParaRPr lang="en-IN" sz="1800" dirty="0"/>
@@ -28002,7 +27911,7 @@
                     <a:lstStyle/>
                     <a:p>
                       <a:r>
-                        <a:rPr lang="en-US" sz="1800" dirty="0" smtClean="0"/>
+                        <a:rPr lang="en-US" sz="1800" dirty="0"/>
                         <a:t>333344555</a:t>
                       </a:r>
                       <a:endParaRPr lang="en-IN" sz="1800" dirty="0"/>
@@ -28010,6 +27919,11 @@
                   </a:txBody>
                   <a:tcPr/>
                 </a:tc>
+                <a:extLst>
+                  <a:ext uri="{0D108BD9-81ED-4DB2-BD59-A6C34878D82A}">
+                    <a16:rowId xmlns:a16="http://schemas.microsoft.com/office/drawing/2014/main" val="10002"/>
+                  </a:ext>
+                </a:extLst>
               </a:tr>
               <a:tr h="338203">
                 <a:tc>
@@ -28018,7 +27932,7 @@
                     <a:lstStyle/>
                     <a:p>
                       <a:r>
-                        <a:rPr lang="en-US" sz="1800" dirty="0" smtClean="0"/>
+                        <a:rPr lang="en-US" sz="1800" dirty="0"/>
                         <a:t>Administration</a:t>
                       </a:r>
                       <a:endParaRPr lang="en-IN" sz="1800" dirty="0"/>
@@ -28032,7 +27946,7 @@
                     <a:lstStyle/>
                     <a:p>
                       <a:r>
-                        <a:rPr lang="en-US" sz="1800" dirty="0" smtClean="0"/>
+                        <a:rPr lang="en-US" sz="1800" dirty="0"/>
                         <a:t>4</a:t>
                       </a:r>
                       <a:endParaRPr lang="en-IN" sz="1800" dirty="0"/>
@@ -28046,7 +27960,7 @@
                     <a:lstStyle/>
                     <a:p>
                       <a:r>
-                        <a:rPr lang="en-US" sz="1800" dirty="0" smtClean="0"/>
+                        <a:rPr lang="en-US" sz="1800" dirty="0"/>
                         <a:t>987565757</a:t>
                       </a:r>
                       <a:endParaRPr lang="en-IN" sz="1800" dirty="0"/>
@@ -28060,7 +27974,7 @@
                     <a:lstStyle/>
                     <a:p>
                       <a:r>
-                        <a:rPr lang="en-US" sz="1800" dirty="0" smtClean="0"/>
+                        <a:rPr lang="en-US" sz="1800" dirty="0"/>
                         <a:t>John</a:t>
                       </a:r>
                       <a:endParaRPr lang="en-IN" sz="1800" dirty="0"/>
@@ -28074,7 +27988,7 @@
                     <a:lstStyle/>
                     <a:p>
                       <a:r>
-                        <a:rPr lang="en-US" sz="1800" dirty="0" smtClean="0"/>
+                        <a:rPr lang="en-US" sz="1800" dirty="0"/>
                         <a:t>Smith</a:t>
                       </a:r>
                       <a:endParaRPr lang="en-IN" sz="1800" dirty="0"/>
@@ -28088,7 +28002,7 @@
                     <a:lstStyle/>
                     <a:p>
                       <a:r>
-                        <a:rPr lang="en-US" sz="1800" dirty="0" smtClean="0"/>
+                        <a:rPr lang="en-US" sz="1800" dirty="0"/>
                         <a:t>123456789</a:t>
                       </a:r>
                       <a:endParaRPr lang="en-IN" sz="1800" dirty="0"/>
@@ -28096,6 +28010,11 @@
                   </a:txBody>
                   <a:tcPr/>
                 </a:tc>
+                <a:extLst>
+                  <a:ext uri="{0D108BD9-81ED-4DB2-BD59-A6C34878D82A}">
+                    <a16:rowId xmlns:a16="http://schemas.microsoft.com/office/drawing/2014/main" val="10003"/>
+                  </a:ext>
+                </a:extLst>
               </a:tr>
               <a:tr h="338203">
                 <a:tc>
@@ -28104,7 +28023,7 @@
                     <a:lstStyle/>
                     <a:p>
                       <a:r>
-                        <a:rPr lang="en-US" sz="1800" dirty="0" smtClean="0"/>
+                        <a:rPr lang="en-US" sz="1800" dirty="0"/>
                         <a:t>Administration</a:t>
                       </a:r>
                       <a:endParaRPr lang="en-IN" sz="1800" dirty="0"/>
@@ -28118,7 +28037,7 @@
                     <a:lstStyle/>
                     <a:p>
                       <a:r>
-                        <a:rPr lang="en-US" sz="1800" dirty="0" smtClean="0"/>
+                        <a:rPr lang="en-US" sz="1800" dirty="0"/>
                         <a:t>4</a:t>
                       </a:r>
                       <a:endParaRPr lang="en-IN" sz="1800" dirty="0"/>
@@ -28132,7 +28051,7 @@
                     <a:lstStyle/>
                     <a:p>
                       <a:r>
-                        <a:rPr lang="en-US" sz="1800" dirty="0" smtClean="0"/>
+                        <a:rPr lang="en-US" sz="1800" dirty="0"/>
                         <a:t>987565757</a:t>
                       </a:r>
                       <a:endParaRPr lang="en-IN" sz="1800" dirty="0"/>
@@ -28146,7 +28065,7 @@
                     <a:lstStyle/>
                     <a:p>
                       <a:r>
-                        <a:rPr lang="en-US" sz="1800" dirty="0" smtClean="0"/>
+                        <a:rPr lang="en-US" sz="1800" dirty="0"/>
                         <a:t>Franklin</a:t>
                       </a:r>
                       <a:endParaRPr lang="en-IN" sz="1800" dirty="0"/>
@@ -28160,7 +28079,7 @@
                     <a:lstStyle/>
                     <a:p>
                       <a:r>
-                        <a:rPr lang="en-US" sz="1800" dirty="0" smtClean="0"/>
+                        <a:rPr lang="en-US" sz="1800" dirty="0"/>
                         <a:t>Wong</a:t>
                       </a:r>
                       <a:endParaRPr lang="en-IN" sz="1800" dirty="0"/>
@@ -28174,7 +28093,7 @@
                     <a:lstStyle/>
                     <a:p>
                       <a:r>
-                        <a:rPr lang="en-US" sz="1800" dirty="0" smtClean="0"/>
+                        <a:rPr lang="en-US" sz="1800" dirty="0"/>
                         <a:t>333344555</a:t>
                       </a:r>
                       <a:endParaRPr lang="en-IN" sz="1800" dirty="0"/>
@@ -28182,6 +28101,11 @@
                   </a:txBody>
                   <a:tcPr/>
                 </a:tc>
+                <a:extLst>
+                  <a:ext uri="{0D108BD9-81ED-4DB2-BD59-A6C34878D82A}">
+                    <a16:rowId xmlns:a16="http://schemas.microsoft.com/office/drawing/2014/main" val="10004"/>
+                  </a:ext>
+                </a:extLst>
               </a:tr>
               <a:tr h="338203">
                 <a:tc>
@@ -28244,6 +28168,11 @@
                   </a:txBody>
                   <a:tcPr/>
                 </a:tc>
+                <a:extLst>
+                  <a:ext uri="{0D108BD9-81ED-4DB2-BD59-A6C34878D82A}">
+                    <a16:rowId xmlns:a16="http://schemas.microsoft.com/office/drawing/2014/main" val="10005"/>
+                  </a:ext>
+                </a:extLst>
               </a:tr>
               <a:tr h="338203">
                 <a:tc>
@@ -28306,6 +28235,11 @@
                   </a:txBody>
                   <a:tcPr/>
                 </a:tc>
+                <a:extLst>
+                  <a:ext uri="{0D108BD9-81ED-4DB2-BD59-A6C34878D82A}">
+                    <a16:rowId xmlns:a16="http://schemas.microsoft.com/office/drawing/2014/main" val="10006"/>
+                  </a:ext>
+                </a:extLst>
               </a:tr>
             </a:tbl>
           </a:graphicData>
@@ -28589,7 +28523,7 @@
           <p:cNvPr id="2" name="Title 1">
             <a:extLst>
               <a:ext uri="{FF2B5EF4-FFF2-40B4-BE49-F238E27FC236}">
-                <a16:creationId xmlns:a16="http://schemas.microsoft.com/office/drawing/2014/main" xmlns="" id="{A2E2A12A-D0C3-1848-96F6-2DA988E84D02}"/>
+                <a16:creationId xmlns:a16="http://schemas.microsoft.com/office/drawing/2014/main" id="{A2E2A12A-D0C3-1848-96F6-2DA988E84D02}"/>
               </a:ext>
             </a:extLst>
           </p:cNvPr>
@@ -28617,7 +28551,7 @@
           <p:cNvPr id="3" name="Text Placeholder 2">
             <a:extLst>
               <a:ext uri="{FF2B5EF4-FFF2-40B4-BE49-F238E27FC236}">
-                <a16:creationId xmlns:a16="http://schemas.microsoft.com/office/drawing/2014/main" xmlns="" id="{1795C733-9617-4145-5038-09F35EDBB01E}"/>
+                <a16:creationId xmlns:a16="http://schemas.microsoft.com/office/drawing/2014/main" id="{1795C733-9617-4145-5038-09F35EDBB01E}"/>
               </a:ext>
             </a:extLst>
           </p:cNvPr>
@@ -28728,7 +28662,7 @@
           <p:cNvPr id="4" name="Slide Number Placeholder 3">
             <a:extLst>
               <a:ext uri="{FF2B5EF4-FFF2-40B4-BE49-F238E27FC236}">
-                <a16:creationId xmlns:a16="http://schemas.microsoft.com/office/drawing/2014/main" xmlns="" id="{C53FBBC6-B3E2-F82B-FA6C-316B6DBF5B4B}"/>
+                <a16:creationId xmlns:a16="http://schemas.microsoft.com/office/drawing/2014/main" id="{C53FBBC6-B3E2-F82B-FA6C-316B6DBF5B4B}"/>
               </a:ext>
             </a:extLst>
           </p:cNvPr>
@@ -28775,13 +28709,6 @@
   <p:clrMapOvr>
     <a:masterClrMapping/>
   </p:clrMapOvr>
-  <p:timing>
-    <p:tnLst>
-      <p:par>
-        <p:cTn id="1" dur="indefinite" restart="never" nodeType="tmRoot"/>
-      </p:par>
-    </p:tnLst>
-  </p:timing>
 </p:sld>
 </file>
 
@@ -28807,7 +28734,7 @@
           <p:cNvPr id="2" name="Title 1">
             <a:extLst>
               <a:ext uri="{FF2B5EF4-FFF2-40B4-BE49-F238E27FC236}">
-                <a16:creationId xmlns:a16="http://schemas.microsoft.com/office/drawing/2014/main" xmlns="" id="{7FFB8ADF-2F15-F463-BA13-52CB22718A2E}"/>
+                <a16:creationId xmlns:a16="http://schemas.microsoft.com/office/drawing/2014/main" id="{7FFB8ADF-2F15-F463-BA13-52CB22718A2E}"/>
               </a:ext>
             </a:extLst>
           </p:cNvPr>
@@ -28835,7 +28762,7 @@
           <p:cNvPr id="3" name="Text Placeholder 2">
             <a:extLst>
               <a:ext uri="{FF2B5EF4-FFF2-40B4-BE49-F238E27FC236}">
-                <a16:creationId xmlns:a16="http://schemas.microsoft.com/office/drawing/2014/main" xmlns="" id="{BD5A6E16-36E6-A61C-D4A9-D946A033D52A}"/>
+                <a16:creationId xmlns:a16="http://schemas.microsoft.com/office/drawing/2014/main" id="{BD5A6E16-36E6-A61C-D4A9-D946A033D52A}"/>
               </a:ext>
             </a:extLst>
           </p:cNvPr>
@@ -28899,7 +28826,7 @@
           <p:cNvPr id="4" name="Slide Number Placeholder 3">
             <a:extLst>
               <a:ext uri="{FF2B5EF4-FFF2-40B4-BE49-F238E27FC236}">
-                <a16:creationId xmlns:a16="http://schemas.microsoft.com/office/drawing/2014/main" xmlns="" id="{31D9F19C-1281-8575-9A75-F141D1274D3A}"/>
+                <a16:creationId xmlns:a16="http://schemas.microsoft.com/office/drawing/2014/main" id="{31D9F19C-1281-8575-9A75-F141D1274D3A}"/>
               </a:ext>
             </a:extLst>
           </p:cNvPr>
@@ -28946,13 +28873,6 @@
   <p:clrMapOvr>
     <a:masterClrMapping/>
   </p:clrMapOvr>
-  <p:timing>
-    <p:tnLst>
-      <p:par>
-        <p:cTn id="1" dur="indefinite" restart="never" nodeType="tmRoot"/>
-      </p:par>
-    </p:tnLst>
-  </p:timing>
 </p:sld>
 </file>
 
@@ -28978,7 +28898,7 @@
           <p:cNvPr id="2" name="Title 1">
             <a:extLst>
               <a:ext uri="{FF2B5EF4-FFF2-40B4-BE49-F238E27FC236}">
-                <a16:creationId xmlns:a16="http://schemas.microsoft.com/office/drawing/2014/main" xmlns="" id="{0C2485C0-E11C-AEB1-26FC-D42A10B9894D}"/>
+                <a16:creationId xmlns:a16="http://schemas.microsoft.com/office/drawing/2014/main" id="{0C2485C0-E11C-AEB1-26FC-D42A10B9894D}"/>
               </a:ext>
             </a:extLst>
           </p:cNvPr>
@@ -29006,7 +28926,7 @@
           <p:cNvPr id="3" name="Text Placeholder 2">
             <a:extLst>
               <a:ext uri="{FF2B5EF4-FFF2-40B4-BE49-F238E27FC236}">
-                <a16:creationId xmlns:a16="http://schemas.microsoft.com/office/drawing/2014/main" xmlns="" id="{DAC52E05-2905-D009-A005-F2D85C6D5F3E}"/>
+                <a16:creationId xmlns:a16="http://schemas.microsoft.com/office/drawing/2014/main" id="{DAC52E05-2905-D009-A005-F2D85C6D5F3E}"/>
               </a:ext>
             </a:extLst>
           </p:cNvPr>
@@ -29065,7 +28985,7 @@
           <p:cNvPr id="4" name="Slide Number Placeholder 3">
             <a:extLst>
               <a:ext uri="{FF2B5EF4-FFF2-40B4-BE49-F238E27FC236}">
-                <a16:creationId xmlns:a16="http://schemas.microsoft.com/office/drawing/2014/main" xmlns="" id="{BCCC89D6-D69D-7302-F8E7-96A710975747}"/>
+                <a16:creationId xmlns:a16="http://schemas.microsoft.com/office/drawing/2014/main" id="{BCCC89D6-D69D-7302-F8E7-96A710975747}"/>
               </a:ext>
             </a:extLst>
           </p:cNvPr>
@@ -29112,13 +29032,6 @@
   <p:clrMapOvr>
     <a:masterClrMapping/>
   </p:clrMapOvr>
-  <p:timing>
-    <p:tnLst>
-      <p:par>
-        <p:cTn id="1" dur="indefinite" restart="never" nodeType="tmRoot"/>
-      </p:par>
-    </p:tnLst>
-  </p:timing>
 </p:sld>
 </file>
 
@@ -29155,7 +29068,7 @@
           <a:lstStyle/>
           <a:p>
             <a:r>
-              <a:rPr lang="en-US" dirty="0" smtClean="0"/>
+              <a:rPr lang="en-US" dirty="0"/>
               <a:t>Example </a:t>
             </a:r>
             <a:endParaRPr lang="en-IN" dirty="0"/>
@@ -29187,24 +29100,20 @@
             </a:r>
             <a:r>
               <a:rPr lang="en-IN" dirty="0"/>
-              <a:t> table</a:t>
-            </a:r>
-            <a:r>
-              <a:rPr lang="en-IN" dirty="0" smtClean="0"/>
-              <a:t>:</a:t>
+              <a:t> table:</a:t>
             </a:r>
           </a:p>
           <a:p>
             <a:endParaRPr lang="en-US" dirty="0"/>
           </a:p>
           <a:p>
-            <a:endParaRPr lang="en-US" dirty="0" smtClean="0"/>
+            <a:endParaRPr lang="en-US" dirty="0"/>
           </a:p>
           <a:p>
             <a:endParaRPr lang="en-US" dirty="0"/>
           </a:p>
           <a:p>
-            <a:endParaRPr lang="en-US" dirty="0" smtClean="0"/>
+            <a:endParaRPr lang="en-US" dirty="0"/>
           </a:p>
           <a:p>
             <a:r>
@@ -29217,40 +29126,28 @@
             </a:r>
             <a:r>
               <a:rPr lang="en-US" dirty="0"/>
-              <a:t>, the TRC query is</a:t>
-            </a:r>
-            <a:r>
-              <a:rPr lang="en-US" dirty="0" smtClean="0"/>
-              <a:t>:</a:t>
+              <a:t>, the TRC query is:</a:t>
             </a:r>
           </a:p>
           <a:p>
             <a:r>
               <a:rPr lang="en-IN" dirty="0"/>
-              <a:t>{t ∣ </a:t>
-            </a:r>
-            <a:r>
-              <a:rPr lang="en-IN" dirty="0" smtClean="0"/>
-              <a:t>t ∈ Student  ∧  </a:t>
-            </a:r>
-            <a:r>
-              <a:rPr lang="en-IN" dirty="0" err="1" smtClean="0"/>
+              <a:t>{t ∣ t ∈ Student  ∧  </a:t>
+            </a:r>
+            <a:r>
+              <a:rPr lang="en-IN" dirty="0" err="1"/>
               <a:t>t.Department</a:t>
             </a:r>
             <a:r>
               <a:rPr lang="en-IN" dirty="0"/>
-              <a:t>=′CS</a:t>
-            </a:r>
-            <a:r>
-              <a:rPr lang="en-IN" dirty="0" smtClean="0"/>
-              <a:t>′}</a:t>
+              <a:t>=′CS′}</a:t>
             </a:r>
           </a:p>
           <a:p>
-            <a:endParaRPr lang="en-IN" dirty="0" smtClean="0"/>
+            <a:endParaRPr lang="en-IN" dirty="0"/>
           </a:p>
           <a:p>
-            <a:endParaRPr lang="en-IN" dirty="0" smtClean="0"/>
+            <a:endParaRPr lang="en-IN" dirty="0"/>
           </a:p>
           <a:p>
             <a:endParaRPr lang="en-IN" dirty="0"/>
@@ -29282,7 +29179,7 @@
               <a:buNone/>
             </a:pPr>
             <a:r>
-              <a:rPr lang="en-US" smtClean="0"/>
+              <a:rPr lang="en-US"/>
               <a:t>Slide 6- </a:t>
             </a:r>
             <a:fld id="{00000000-1234-1234-1234-123412341234}" type="slidenum">
@@ -29316,10 +29213,34 @@
             <a:tbl>
               <a:tblPr/>
               <a:tblGrid>
-                <a:gridCol w="862578"/>
-                <a:gridCol w="789140"/>
-                <a:gridCol w="751561"/>
-                <a:gridCol w="1315233"/>
+                <a:gridCol w="862578">
+                  <a:extLst>
+                    <a:ext uri="{9D8B030D-6E8A-4147-A177-3AD203B41FA5}">
+                      <a16:colId xmlns:a16="http://schemas.microsoft.com/office/drawing/2014/main" val="20000"/>
+                    </a:ext>
+                  </a:extLst>
+                </a:gridCol>
+                <a:gridCol w="789140">
+                  <a:extLst>
+                    <a:ext uri="{9D8B030D-6E8A-4147-A177-3AD203B41FA5}">
+                      <a16:colId xmlns:a16="http://schemas.microsoft.com/office/drawing/2014/main" val="20001"/>
+                    </a:ext>
+                  </a:extLst>
+                </a:gridCol>
+                <a:gridCol w="751561">
+                  <a:extLst>
+                    <a:ext uri="{9D8B030D-6E8A-4147-A177-3AD203B41FA5}">
+                      <a16:colId xmlns:a16="http://schemas.microsoft.com/office/drawing/2014/main" val="20002"/>
+                    </a:ext>
+                  </a:extLst>
+                </a:gridCol>
+                <a:gridCol w="1315233">
+                  <a:extLst>
+                    <a:ext uri="{9D8B030D-6E8A-4147-A177-3AD203B41FA5}">
+                      <a16:colId xmlns:a16="http://schemas.microsoft.com/office/drawing/2014/main" val="20003"/>
+                    </a:ext>
+                  </a:extLst>
+                </a:gridCol>
               </a:tblGrid>
               <a:tr h="304800">
                 <a:tc>
@@ -29523,6 +29444,11 @@
                     </a:lnB>
                   </a:tcPr>
                 </a:tc>
+                <a:extLst>
+                  <a:ext uri="{0D108BD9-81ED-4DB2-BD59-A6C34878D82A}">
+                    <a16:rowId xmlns:a16="http://schemas.microsoft.com/office/drawing/2014/main" val="10000"/>
+                  </a:ext>
+                </a:extLst>
               </a:tr>
               <a:tr h="304800">
                 <a:tc>
@@ -29725,6 +29651,11 @@
                     </a:lnB>
                   </a:tcPr>
                 </a:tc>
+                <a:extLst>
+                  <a:ext uri="{0D108BD9-81ED-4DB2-BD59-A6C34878D82A}">
+                    <a16:rowId xmlns:a16="http://schemas.microsoft.com/office/drawing/2014/main" val="10001"/>
+                  </a:ext>
+                </a:extLst>
               </a:tr>
               <a:tr h="304800">
                 <a:tc>
@@ -29927,6 +29858,11 @@
                     </a:lnB>
                   </a:tcPr>
                 </a:tc>
+                <a:extLst>
+                  <a:ext uri="{0D108BD9-81ED-4DB2-BD59-A6C34878D82A}">
+                    <a16:rowId xmlns:a16="http://schemas.microsoft.com/office/drawing/2014/main" val="10002"/>
+                  </a:ext>
+                </a:extLst>
               </a:tr>
               <a:tr h="304800">
                 <a:tc>
@@ -30129,6 +30065,11 @@
                     </a:lnB>
                   </a:tcPr>
                 </a:tc>
+                <a:extLst>
+                  <a:ext uri="{0D108BD9-81ED-4DB2-BD59-A6C34878D82A}">
+                    <a16:rowId xmlns:a16="http://schemas.microsoft.com/office/drawing/2014/main" val="10003"/>
+                  </a:ext>
+                </a:extLst>
               </a:tr>
               <a:tr h="304800">
                 <a:tc>
@@ -30331,6 +30272,11 @@
                     </a:lnB>
                   </a:tcPr>
                 </a:tc>
+                <a:extLst>
+                  <a:ext uri="{0D108BD9-81ED-4DB2-BD59-A6C34878D82A}">
+                    <a16:rowId xmlns:a16="http://schemas.microsoft.com/office/drawing/2014/main" val="10004"/>
+                  </a:ext>
+                </a:extLst>
               </a:tr>
             </a:tbl>
           </a:graphicData>
@@ -30359,10 +30305,34 @@
             <a:tbl>
               <a:tblPr/>
               <a:tblGrid>
-                <a:gridCol w="1089274"/>
-                <a:gridCol w="751562"/>
-                <a:gridCol w="526093"/>
-                <a:gridCol w="1866379"/>
+                <a:gridCol w="1089274">
+                  <a:extLst>
+                    <a:ext uri="{9D8B030D-6E8A-4147-A177-3AD203B41FA5}">
+                      <a16:colId xmlns:a16="http://schemas.microsoft.com/office/drawing/2014/main" val="20000"/>
+                    </a:ext>
+                  </a:extLst>
+                </a:gridCol>
+                <a:gridCol w="751562">
+                  <a:extLst>
+                    <a:ext uri="{9D8B030D-6E8A-4147-A177-3AD203B41FA5}">
+                      <a16:colId xmlns:a16="http://schemas.microsoft.com/office/drawing/2014/main" val="20001"/>
+                    </a:ext>
+                  </a:extLst>
+                </a:gridCol>
+                <a:gridCol w="526093">
+                  <a:extLst>
+                    <a:ext uri="{9D8B030D-6E8A-4147-A177-3AD203B41FA5}">
+                      <a16:colId xmlns:a16="http://schemas.microsoft.com/office/drawing/2014/main" val="20002"/>
+                    </a:ext>
+                  </a:extLst>
+                </a:gridCol>
+                <a:gridCol w="1866379">
+                  <a:extLst>
+                    <a:ext uri="{9D8B030D-6E8A-4147-A177-3AD203B41FA5}">
+                      <a16:colId xmlns:a16="http://schemas.microsoft.com/office/drawing/2014/main" val="20003"/>
+                    </a:ext>
+                  </a:extLst>
+                </a:gridCol>
               </a:tblGrid>
               <a:tr h="304800">
                 <a:tc>
@@ -30566,6 +30536,11 @@
                     </a:lnB>
                   </a:tcPr>
                 </a:tc>
+                <a:extLst>
+                  <a:ext uri="{0D108BD9-81ED-4DB2-BD59-A6C34878D82A}">
+                    <a16:rowId xmlns:a16="http://schemas.microsoft.com/office/drawing/2014/main" val="10000"/>
+                  </a:ext>
+                </a:extLst>
               </a:tr>
               <a:tr h="304800">
                 <a:tc>
@@ -30768,6 +30743,11 @@
                     </a:lnB>
                   </a:tcPr>
                 </a:tc>
+                <a:extLst>
+                  <a:ext uri="{0D108BD9-81ED-4DB2-BD59-A6C34878D82A}">
+                    <a16:rowId xmlns:a16="http://schemas.microsoft.com/office/drawing/2014/main" val="10001"/>
+                  </a:ext>
+                </a:extLst>
               </a:tr>
               <a:tr h="304800">
                 <a:tc>
@@ -30970,6 +30950,11 @@
                     </a:lnB>
                   </a:tcPr>
                 </a:tc>
+                <a:extLst>
+                  <a:ext uri="{0D108BD9-81ED-4DB2-BD59-A6C34878D82A}">
+                    <a16:rowId xmlns:a16="http://schemas.microsoft.com/office/drawing/2014/main" val="10002"/>
+                  </a:ext>
+                </a:extLst>
               </a:tr>
             </a:tbl>
           </a:graphicData>
@@ -31051,7 +31036,7 @@
               <a:tabLst/>
             </a:pPr>
             <a:r>
-              <a:rPr kumimoji="0" lang="en-US" altLang="en-US" sz="1800" b="1" i="0" u="none" strike="noStrike" cap="none" normalizeH="0" baseline="0" dirty="0" smtClean="0">
+              <a:rPr kumimoji="0" lang="en-US" altLang="en-US" sz="1800" b="1" i="0" u="none" strike="noStrike" cap="none" normalizeH="0" baseline="0" dirty="0">
                 <a:ln>
                   <a:noFill/>
                 </a:ln>
@@ -31064,7 +31049,7 @@
               </a:rPr>
               <a:t>Result:</a:t>
             </a:r>
-            <a:endParaRPr kumimoji="0" lang="en-US" altLang="en-US" sz="1800" b="0" i="0" u="none" strike="noStrike" cap="none" normalizeH="0" baseline="0" dirty="0" smtClean="0">
+            <a:endParaRPr kumimoji="0" lang="en-US" altLang="en-US" sz="1800" b="0" i="0" u="none" strike="noStrike" cap="none" normalizeH="0" baseline="0" dirty="0">
               <a:ln>
                 <a:noFill/>
               </a:ln>
@@ -31088,13 +31073,6 @@
   <p:clrMapOvr>
     <a:masterClrMapping/>
   </p:clrMapOvr>
-  <p:timing>
-    <p:tnLst>
-      <p:par>
-        <p:cTn id="1" dur="indefinite" restart="never" nodeType="tmRoot"/>
-      </p:par>
-    </p:tnLst>
-  </p:timing>
 </p:sld>
 </file>
 
@@ -31120,7 +31098,7 @@
           <p:cNvPr id="2" name="Title 1">
             <a:extLst>
               <a:ext uri="{FF2B5EF4-FFF2-40B4-BE49-F238E27FC236}">
-                <a16:creationId xmlns:a16="http://schemas.microsoft.com/office/drawing/2014/main" xmlns="" id="{1F9DD885-48F7-15A7-7D67-D6B83286210A}"/>
+                <a16:creationId xmlns:a16="http://schemas.microsoft.com/office/drawing/2014/main" id="{1F9DD885-48F7-15A7-7D67-D6B83286210A}"/>
               </a:ext>
             </a:extLst>
           </p:cNvPr>
@@ -31148,7 +31126,7 @@
           <p:cNvPr id="3" name="Text Placeholder 2">
             <a:extLst>
               <a:ext uri="{FF2B5EF4-FFF2-40B4-BE49-F238E27FC236}">
-                <a16:creationId xmlns:a16="http://schemas.microsoft.com/office/drawing/2014/main" xmlns="" id="{246A700B-2C34-7B07-D799-16D50494225C}"/>
+                <a16:creationId xmlns:a16="http://schemas.microsoft.com/office/drawing/2014/main" id="{246A700B-2C34-7B07-D799-16D50494225C}"/>
               </a:ext>
             </a:extLst>
           </p:cNvPr>
@@ -31208,7 +31186,7 @@
           <p:cNvPr id="4" name="Slide Number Placeholder 3">
             <a:extLst>
               <a:ext uri="{FF2B5EF4-FFF2-40B4-BE49-F238E27FC236}">
-                <a16:creationId xmlns:a16="http://schemas.microsoft.com/office/drawing/2014/main" xmlns="" id="{B18D0EE0-323E-8046-8649-005D1EB6E59C}"/>
+                <a16:creationId xmlns:a16="http://schemas.microsoft.com/office/drawing/2014/main" id="{B18D0EE0-323E-8046-8649-005D1EB6E59C}"/>
               </a:ext>
             </a:extLst>
           </p:cNvPr>
@@ -31255,13 +31233,6 @@
   <p:clrMapOvr>
     <a:masterClrMapping/>
   </p:clrMapOvr>
-  <p:timing>
-    <p:tnLst>
-      <p:par>
-        <p:cTn id="1" dur="indefinite" restart="never" nodeType="tmRoot"/>
-      </p:par>
-    </p:tnLst>
-  </p:timing>
 </p:sld>
 </file>
 
@@ -31287,7 +31258,7 @@
           <p:cNvPr id="2" name="Title 1">
             <a:extLst>
               <a:ext uri="{FF2B5EF4-FFF2-40B4-BE49-F238E27FC236}">
-                <a16:creationId xmlns:a16="http://schemas.microsoft.com/office/drawing/2014/main" xmlns="" id="{71BDCD79-CF8F-93B0-E7FA-B458C421D31D}"/>
+                <a16:creationId xmlns:a16="http://schemas.microsoft.com/office/drawing/2014/main" id="{71BDCD79-CF8F-93B0-E7FA-B458C421D31D}"/>
               </a:ext>
             </a:extLst>
           </p:cNvPr>
@@ -31315,7 +31286,7 @@
           <p:cNvPr id="3" name="Text Placeholder 2">
             <a:extLst>
               <a:ext uri="{FF2B5EF4-FFF2-40B4-BE49-F238E27FC236}">
-                <a16:creationId xmlns:a16="http://schemas.microsoft.com/office/drawing/2014/main" xmlns="" id="{F87027D8-CF52-0837-7987-C02393FF71CF}"/>
+                <a16:creationId xmlns:a16="http://schemas.microsoft.com/office/drawing/2014/main" id="{F87027D8-CF52-0837-7987-C02393FF71CF}"/>
               </a:ext>
             </a:extLst>
           </p:cNvPr>
@@ -31359,30 +31330,22 @@
           <a:p>
             <a:r>
               <a:rPr lang="en-IN" dirty="0"/>
-              <a:t>{&lt;R,N&gt; ∣ ∃A,D (Student(R,N,A,D)∧D=′CS</a:t>
-            </a:r>
-            <a:r>
-              <a:rPr lang="en-IN" dirty="0" smtClean="0"/>
-              <a:t>′)}</a:t>
+              <a:t>{&lt;R,N&gt; ∣ ∃A,D (Student(R,N,A,D)∧D=′CS′)}</a:t>
             </a:r>
           </a:p>
           <a:p>
             <a:endParaRPr lang="en-IN" dirty="0"/>
           </a:p>
           <a:p>
-            <a:endParaRPr lang="en-IN" dirty="0" smtClean="0"/>
+            <a:endParaRPr lang="en-IN" dirty="0"/>
           </a:p>
           <a:p>
             <a:endParaRPr lang="en-IN" dirty="0"/>
           </a:p>
           <a:p>
             <a:r>
-              <a:rPr lang="en-US" dirty="0" smtClean="0"/>
-              <a:t>Uses </a:t>
-            </a:r>
-            <a:r>
               <a:rPr lang="en-US" dirty="0"/>
-              <a:t>domain variables instead of tuples.</a:t>
+              <a:t>Uses domain variables instead of tuples.</a:t>
             </a:r>
           </a:p>
           <a:p>
@@ -31407,7 +31370,7 @@
           <p:cNvPr id="4" name="Slide Number Placeholder 3">
             <a:extLst>
               <a:ext uri="{FF2B5EF4-FFF2-40B4-BE49-F238E27FC236}">
-                <a16:creationId xmlns:a16="http://schemas.microsoft.com/office/drawing/2014/main" xmlns="" id="{B630AB22-12BB-1205-1126-82C070156B72}"/>
+                <a16:creationId xmlns:a16="http://schemas.microsoft.com/office/drawing/2014/main" id="{B630AB22-12BB-1205-1126-82C070156B72}"/>
               </a:ext>
             </a:extLst>
           </p:cNvPr>
@@ -31467,8 +31430,20 @@
             <a:tbl>
               <a:tblPr/>
               <a:tblGrid>
-                <a:gridCol w="1463826"/>
-                <a:gridCol w="1227551"/>
+                <a:gridCol w="1463826">
+                  <a:extLst>
+                    <a:ext uri="{9D8B030D-6E8A-4147-A177-3AD203B41FA5}">
+                      <a16:colId xmlns:a16="http://schemas.microsoft.com/office/drawing/2014/main" val="20000"/>
+                    </a:ext>
+                  </a:extLst>
+                </a:gridCol>
+                <a:gridCol w="1227551">
+                  <a:extLst>
+                    <a:ext uri="{9D8B030D-6E8A-4147-A177-3AD203B41FA5}">
+                      <a16:colId xmlns:a16="http://schemas.microsoft.com/office/drawing/2014/main" val="20001"/>
+                    </a:ext>
+                  </a:extLst>
+                </a:gridCol>
               </a:tblGrid>
               <a:tr h="304800">
                 <a:tc>
@@ -31572,6 +31547,11 @@
                     </a:lnB>
                   </a:tcPr>
                 </a:tc>
+                <a:extLst>
+                  <a:ext uri="{0D108BD9-81ED-4DB2-BD59-A6C34878D82A}">
+                    <a16:rowId xmlns:a16="http://schemas.microsoft.com/office/drawing/2014/main" val="10000"/>
+                  </a:ext>
+                </a:extLst>
               </a:tr>
               <a:tr h="304800">
                 <a:tc>
@@ -31674,6 +31654,11 @@
                     </a:lnB>
                   </a:tcPr>
                 </a:tc>
+                <a:extLst>
+                  <a:ext uri="{0D108BD9-81ED-4DB2-BD59-A6C34878D82A}">
+                    <a16:rowId xmlns:a16="http://schemas.microsoft.com/office/drawing/2014/main" val="10001"/>
+                  </a:ext>
+                </a:extLst>
               </a:tr>
               <a:tr h="304800">
                 <a:tc>
@@ -31776,6 +31761,11 @@
                     </a:lnB>
                   </a:tcPr>
                 </a:tc>
+                <a:extLst>
+                  <a:ext uri="{0D108BD9-81ED-4DB2-BD59-A6C34878D82A}">
+                    <a16:rowId xmlns:a16="http://schemas.microsoft.com/office/drawing/2014/main" val="10002"/>
+                  </a:ext>
+                </a:extLst>
               </a:tr>
             </a:tbl>
           </a:graphicData>
@@ -31857,7 +31847,7 @@
               <a:tabLst/>
             </a:pPr>
             <a:r>
-              <a:rPr kumimoji="0" lang="en-US" altLang="en-US" sz="1800" b="1" i="0" u="none" strike="noStrike" cap="none" normalizeH="0" baseline="0" dirty="0" smtClean="0">
+              <a:rPr kumimoji="0" lang="en-US" altLang="en-US" sz="1800" b="1" i="0" u="none" strike="noStrike" cap="none" normalizeH="0" baseline="0" dirty="0">
                 <a:ln>
                   <a:noFill/>
                 </a:ln>
@@ -31870,7 +31860,7 @@
               </a:rPr>
               <a:t>Result:</a:t>
             </a:r>
-            <a:endParaRPr kumimoji="0" lang="en-US" altLang="en-US" sz="1800" b="0" i="0" u="none" strike="noStrike" cap="none" normalizeH="0" baseline="0" dirty="0" smtClean="0">
+            <a:endParaRPr kumimoji="0" lang="en-US" altLang="en-US" sz="1800" b="0" i="0" u="none" strike="noStrike" cap="none" normalizeH="0" baseline="0" dirty="0">
               <a:ln>
                 <a:noFill/>
               </a:ln>
@@ -31894,13 +31884,6 @@
   <p:clrMapOvr>
     <a:masterClrMapping/>
   </p:clrMapOvr>
-  <p:timing>
-    <p:tnLst>
-      <p:par>
-        <p:cTn id="1" dur="indefinite" restart="never" nodeType="tmRoot"/>
-      </p:par>
-    </p:tnLst>
-  </p:timing>
 </p:sld>
 </file>
 
@@ -32280,13 +32263,6 @@
   <p:clrMapOvr>
     <a:masterClrMapping/>
   </p:clrMapOvr>
-  <p:timing>
-    <p:tnLst>
-      <p:par>
-        <p:cTn id="1" dur="indefinite" restart="never" nodeType="tmRoot"/>
-      </p:par>
-    </p:tnLst>
-  </p:timing>
 </p:sld>
 </file>
 
@@ -33294,7 +33270,7 @@
           <p:cNvPr id="3" name="Picture 2">
             <a:extLst>
               <a:ext uri="{FF2B5EF4-FFF2-40B4-BE49-F238E27FC236}">
-                <a16:creationId xmlns:a16="http://schemas.microsoft.com/office/drawing/2014/main" xmlns="" id="{566BDA48-4023-6FE1-0CA3-4185B09C05C5}"/>
+                <a16:creationId xmlns:a16="http://schemas.microsoft.com/office/drawing/2014/main" id="{566BDA48-4023-6FE1-0CA3-4185B09C05C5}"/>
               </a:ext>
             </a:extLst>
           </p:cNvPr>
@@ -33324,7 +33300,7 @@
           <p:cNvPr id="5" name="Picture 4">
             <a:extLst>
               <a:ext uri="{FF2B5EF4-FFF2-40B4-BE49-F238E27FC236}">
-                <a16:creationId xmlns:a16="http://schemas.microsoft.com/office/drawing/2014/main" xmlns="" id="{7A3DD325-8EA2-2AA4-0D76-0D1A974409CC}"/>
+                <a16:creationId xmlns:a16="http://schemas.microsoft.com/office/drawing/2014/main" id="{7A3DD325-8EA2-2AA4-0D76-0D1A974409CC}"/>
               </a:ext>
             </a:extLst>
           </p:cNvPr>
@@ -34529,19 +34505,7 @@
                 <a:cs typeface="Arial"/>
                 <a:sym typeface="Arial"/>
               </a:rPr>
-              <a:t>Some properties of </a:t>
-            </a:r>
-            <a:r>
-              <a:rPr lang="en-US" sz="2800" b="0" i="0" u="none" dirty="0" smtClean="0">
-                <a:solidFill>
-                  <a:srgbClr val="800000"/>
-                </a:solidFill>
-                <a:latin typeface="Arial"/>
-                <a:ea typeface="Arial"/>
-                <a:cs typeface="Arial"/>
-                <a:sym typeface="Arial"/>
-              </a:rPr>
-              <a:t>JOIN (variations in JOIN)</a:t>
+              <a:t>Some properties of JOIN (variations in JOIN)</a:t>
             </a:r>
             <a:endParaRPr dirty="0"/>
           </a:p>
@@ -34594,18 +34558,33 @@
               <a:buChar char="■"/>
             </a:pPr>
             <a:r>
-              <a:rPr lang="en-US" sz="2800" b="0" i="0" u="none">
+              <a:rPr lang="en-US" sz="2800" b="0" i="0" u="none" dirty="0">
                 <a:solidFill>
                   <a:schemeClr val="dk2"/>
                 </a:solidFill>
+                <a:highlight>
+                  <a:srgbClr val="FFFF00"/>
+                </a:highlight>
                 <a:latin typeface="Arial"/>
                 <a:ea typeface="Arial"/>
                 <a:cs typeface="Arial"/>
                 <a:sym typeface="Arial"/>
               </a:rPr>
-              <a:t>The general case of JOIN operation is called a Theta-join: R              S</a:t>
-            </a:r>
-            <a:endParaRPr/>
+              <a:t>The general case of JOIN operation is called a Theta-join: </a:t>
+            </a:r>
+            <a:r>
+              <a:rPr lang="en-US" sz="2800" b="0" i="0" u="none" dirty="0">
+                <a:solidFill>
+                  <a:schemeClr val="dk2"/>
+                </a:solidFill>
+                <a:latin typeface="Arial"/>
+                <a:ea typeface="Arial"/>
+                <a:cs typeface="Arial"/>
+                <a:sym typeface="Arial"/>
+              </a:rPr>
+              <a:t>R              S</a:t>
+            </a:r>
+            <a:endParaRPr dirty="0"/>
           </a:p>
           <a:p>
             <a:pPr marL="1143000" lvl="2" indent="-228600" algn="l" rtl="0">
@@ -34622,7 +34601,7 @@
               <a:buNone/>
             </a:pPr>
             <a:r>
-              <a:rPr lang="en-US" sz="2400" b="0" i="0" u="none">
+              <a:rPr lang="en-US" sz="2400" b="0" i="0" u="none" dirty="0">
                 <a:solidFill>
                   <a:schemeClr val="dk2"/>
                 </a:solidFill>
@@ -34634,7 +34613,7 @@
               <a:t>                        </a:t>
             </a:r>
             <a:r>
-              <a:rPr lang="en-US" sz="2400" b="0" i="1" u="none">
+              <a:rPr lang="en-US" sz="2400" b="0" i="1" u="none" dirty="0">
                 <a:solidFill>
                   <a:schemeClr val="dk2"/>
                 </a:solidFill>
@@ -34645,7 +34624,7 @@
               </a:rPr>
               <a:t>theta</a:t>
             </a:r>
-            <a:endParaRPr/>
+            <a:endParaRPr dirty="0"/>
           </a:p>
           <a:p>
             <a:pPr marL="342900" lvl="0" indent="-342900" algn="l" rtl="0">
@@ -34666,7 +34645,7 @@
               <a:buChar char="■"/>
             </a:pPr>
             <a:r>
-              <a:rPr lang="en-US" sz="2800" b="0" i="0" u="none">
+              <a:rPr lang="en-US" sz="2800" b="0" i="0" u="none" dirty="0">
                 <a:solidFill>
                   <a:schemeClr val="dk2"/>
                 </a:solidFill>
@@ -34678,7 +34657,7 @@
               <a:t>The join condition is called </a:t>
             </a:r>
             <a:r>
-              <a:rPr lang="en-US" sz="2800" b="0" i="1" u="none">
+              <a:rPr lang="en-US" sz="2800" b="0" i="1" u="none" dirty="0">
                 <a:solidFill>
                   <a:schemeClr val="dk2"/>
                 </a:solidFill>
@@ -34689,7 +34668,7 @@
               </a:rPr>
               <a:t>theta</a:t>
             </a:r>
-            <a:endParaRPr/>
+            <a:endParaRPr dirty="0"/>
           </a:p>
           <a:p>
             <a:pPr marL="342900" lvl="0" indent="-342900" algn="l" rtl="0">
@@ -34710,7 +34689,7 @@
               <a:buChar char="■"/>
             </a:pPr>
             <a:r>
-              <a:rPr lang="en-US" sz="2800" b="0" i="1" u="none">
+              <a:rPr lang="en-US" sz="2800" b="0" i="1" u="none" dirty="0">
                 <a:solidFill>
                   <a:schemeClr val="dk2"/>
                 </a:solidFill>
@@ -34722,7 +34701,7 @@
               <a:t>Theta</a:t>
             </a:r>
             <a:r>
-              <a:rPr lang="en-US" sz="2800" b="0" i="0" u="none">
+              <a:rPr lang="en-US" sz="2800" b="0" i="0" u="none" dirty="0">
                 <a:solidFill>
                   <a:schemeClr val="dk2"/>
                 </a:solidFill>
@@ -34731,9 +34710,33 @@
                 <a:cs typeface="Arial"/>
                 <a:sym typeface="Arial"/>
               </a:rPr>
-              <a:t> can be any general boolean expression on the attributes of R and S; for example:</a:t>
-            </a:r>
-            <a:endParaRPr/>
+              <a:t> can be any general </a:t>
+            </a:r>
+            <a:r>
+              <a:rPr lang="en-US" sz="2800" b="0" i="0" u="none" dirty="0" err="1">
+                <a:solidFill>
+                  <a:schemeClr val="dk2"/>
+                </a:solidFill>
+                <a:latin typeface="Arial"/>
+                <a:ea typeface="Arial"/>
+                <a:cs typeface="Arial"/>
+                <a:sym typeface="Arial"/>
+              </a:rPr>
+              <a:t>boolean</a:t>
+            </a:r>
+            <a:r>
+              <a:rPr lang="en-US" sz="2800" b="0" i="0" u="none" dirty="0">
+                <a:solidFill>
+                  <a:schemeClr val="dk2"/>
+                </a:solidFill>
+                <a:latin typeface="Arial"/>
+                <a:ea typeface="Arial"/>
+                <a:cs typeface="Arial"/>
+                <a:sym typeface="Arial"/>
+              </a:rPr>
+              <a:t> expression on the attributes of R and S; for example:</a:t>
+            </a:r>
+            <a:endParaRPr dirty="0"/>
           </a:p>
           <a:p>
             <a:pPr marL="742950" lvl="1" indent="-285750" algn="l" rtl="0">
@@ -34754,7 +34757,7 @@
               <a:buChar char="■"/>
             </a:pPr>
             <a:r>
-              <a:rPr lang="en-US" sz="2600" b="0" i="0" u="none">
+              <a:rPr lang="en-US" sz="2600" b="0" i="0" u="none" dirty="0" err="1">
                 <a:solidFill>
                   <a:srgbClr val="800000"/>
                 </a:solidFill>
@@ -34763,9 +34766,141 @@
                 <a:cs typeface="Arial"/>
                 <a:sym typeface="Arial"/>
               </a:rPr>
-              <a:t>R.Ai&lt;S.Bj AND (R.Ak=S.Bl OR R.Ap&lt;S.Bq)</a:t>
-            </a:r>
-            <a:endParaRPr/>
+              <a:t>R.Ai</a:t>
+            </a:r>
+            <a:r>
+              <a:rPr lang="en-US" sz="2600" b="0" i="0" u="none" dirty="0">
+                <a:solidFill>
+                  <a:srgbClr val="800000"/>
+                </a:solidFill>
+                <a:latin typeface="Arial"/>
+                <a:ea typeface="Arial"/>
+                <a:cs typeface="Arial"/>
+                <a:sym typeface="Arial"/>
+              </a:rPr>
+              <a:t>&lt;</a:t>
+            </a:r>
+            <a:r>
+              <a:rPr lang="en-US" sz="2600" b="0" i="0" u="none" dirty="0" err="1">
+                <a:solidFill>
+                  <a:srgbClr val="800000"/>
+                </a:solidFill>
+                <a:latin typeface="Arial"/>
+                <a:ea typeface="Arial"/>
+                <a:cs typeface="Arial"/>
+                <a:sym typeface="Arial"/>
+              </a:rPr>
+              <a:t>S.Bj</a:t>
+            </a:r>
+            <a:r>
+              <a:rPr lang="en-US" sz="2600" b="0" i="0" u="none" dirty="0">
+                <a:solidFill>
+                  <a:srgbClr val="800000"/>
+                </a:solidFill>
+                <a:latin typeface="Arial"/>
+                <a:ea typeface="Arial"/>
+                <a:cs typeface="Arial"/>
+                <a:sym typeface="Arial"/>
+              </a:rPr>
+              <a:t> AND (</a:t>
+            </a:r>
+            <a:r>
+              <a:rPr lang="en-US" sz="2600" b="0" i="0" u="none" dirty="0" err="1">
+                <a:solidFill>
+                  <a:srgbClr val="800000"/>
+                </a:solidFill>
+                <a:latin typeface="Arial"/>
+                <a:ea typeface="Arial"/>
+                <a:cs typeface="Arial"/>
+                <a:sym typeface="Arial"/>
+              </a:rPr>
+              <a:t>R.Ak</a:t>
+            </a:r>
+            <a:r>
+              <a:rPr lang="en-US" sz="2600" b="0" i="0" u="none" dirty="0">
+                <a:solidFill>
+                  <a:srgbClr val="800000"/>
+                </a:solidFill>
+                <a:latin typeface="Arial"/>
+                <a:ea typeface="Arial"/>
+                <a:cs typeface="Arial"/>
+                <a:sym typeface="Arial"/>
+              </a:rPr>
+              <a:t>=</a:t>
+            </a:r>
+            <a:r>
+              <a:rPr lang="en-US" sz="2600" b="0" i="0" u="none" dirty="0" err="1">
+                <a:solidFill>
+                  <a:srgbClr val="800000"/>
+                </a:solidFill>
+                <a:latin typeface="Arial"/>
+                <a:ea typeface="Arial"/>
+                <a:cs typeface="Arial"/>
+                <a:sym typeface="Arial"/>
+              </a:rPr>
+              <a:t>S.Bl</a:t>
+            </a:r>
+            <a:r>
+              <a:rPr lang="en-US" sz="2600" b="0" i="0" u="none" dirty="0">
+                <a:solidFill>
+                  <a:srgbClr val="800000"/>
+                </a:solidFill>
+                <a:latin typeface="Arial"/>
+                <a:ea typeface="Arial"/>
+                <a:cs typeface="Arial"/>
+                <a:sym typeface="Arial"/>
+              </a:rPr>
+              <a:t> OR </a:t>
+            </a:r>
+            <a:r>
+              <a:rPr lang="en-US" sz="2600" b="0" i="0" u="none" dirty="0" err="1">
+                <a:solidFill>
+                  <a:srgbClr val="800000"/>
+                </a:solidFill>
+                <a:latin typeface="Arial"/>
+                <a:ea typeface="Arial"/>
+                <a:cs typeface="Arial"/>
+                <a:sym typeface="Arial"/>
+              </a:rPr>
+              <a:t>R.Ap</a:t>
+            </a:r>
+            <a:r>
+              <a:rPr lang="en-US" sz="2600" b="0" i="0" u="none" dirty="0">
+                <a:solidFill>
+                  <a:srgbClr val="800000"/>
+                </a:solidFill>
+                <a:latin typeface="Arial"/>
+                <a:ea typeface="Arial"/>
+                <a:cs typeface="Arial"/>
+                <a:sym typeface="Arial"/>
+              </a:rPr>
+              <a:t>&lt;</a:t>
+            </a:r>
+            <a:r>
+              <a:rPr lang="en-US" sz="2600" b="0" i="0" u="none" dirty="0" err="1">
+                <a:solidFill>
+                  <a:srgbClr val="800000"/>
+                </a:solidFill>
+                <a:latin typeface="Arial"/>
+                <a:ea typeface="Arial"/>
+                <a:cs typeface="Arial"/>
+                <a:sym typeface="Arial"/>
+              </a:rPr>
+              <a:t>S.Bq</a:t>
+            </a:r>
+            <a:r>
+              <a:rPr lang="en-US" sz="2600" b="0" i="0" u="none" dirty="0">
+                <a:solidFill>
+                  <a:srgbClr val="800000"/>
+                </a:solidFill>
+                <a:latin typeface="Arial"/>
+                <a:ea typeface="Arial"/>
+                <a:cs typeface="Arial"/>
+                <a:sym typeface="Arial"/>
+              </a:rPr>
+              <a:t>)</a:t>
+            </a:r>
+            <a:endParaRPr dirty="0"/>
           </a:p>
           <a:p>
             <a:pPr marL="342900" lvl="0" indent="-342900" algn="l" rtl="0">
@@ -34786,7 +34921,7 @@
               <a:buChar char="■"/>
             </a:pPr>
             <a:r>
-              <a:rPr lang="en-US" sz="2800" b="0" i="0" u="none">
+              <a:rPr lang="en-US" sz="2800" b="0" i="0" u="none" dirty="0">
                 <a:solidFill>
                   <a:schemeClr val="dk2"/>
                 </a:solidFill>
@@ -34795,9 +34930,33 @@
                 <a:cs typeface="Arial"/>
                 <a:sym typeface="Arial"/>
               </a:rPr>
-              <a:t>Most join conditions involve one or more equality conditions “AND”ed together; for example:</a:t>
-            </a:r>
-            <a:endParaRPr/>
+              <a:t>Most join conditions involve one or more equality conditions “</a:t>
+            </a:r>
+            <a:r>
+              <a:rPr lang="en-US" sz="2800" b="0" i="0" u="none" dirty="0" err="1">
+                <a:solidFill>
+                  <a:schemeClr val="dk2"/>
+                </a:solidFill>
+                <a:latin typeface="Arial"/>
+                <a:ea typeface="Arial"/>
+                <a:cs typeface="Arial"/>
+                <a:sym typeface="Arial"/>
+              </a:rPr>
+              <a:t>AND”ed</a:t>
+            </a:r>
+            <a:r>
+              <a:rPr lang="en-US" sz="2800" b="0" i="0" u="none" dirty="0">
+                <a:solidFill>
+                  <a:schemeClr val="dk2"/>
+                </a:solidFill>
+                <a:latin typeface="Arial"/>
+                <a:ea typeface="Arial"/>
+                <a:cs typeface="Arial"/>
+                <a:sym typeface="Arial"/>
+              </a:rPr>
+              <a:t> together; for example:</a:t>
+            </a:r>
+            <a:endParaRPr dirty="0"/>
           </a:p>
           <a:p>
             <a:pPr marL="742950" lvl="1" indent="-285750" algn="l" rtl="0">
@@ -34818,7 +34977,7 @@
               <a:buChar char="■"/>
             </a:pPr>
             <a:r>
-              <a:rPr lang="en-US" sz="2600" b="0" i="0" u="none">
+              <a:rPr lang="en-US" sz="2600" b="0" i="0" u="none" dirty="0" err="1">
                 <a:solidFill>
                   <a:srgbClr val="800000"/>
                 </a:solidFill>
@@ -34827,9 +34986,129 @@
                 <a:cs typeface="Arial"/>
                 <a:sym typeface="Arial"/>
               </a:rPr>
-              <a:t>R.Ai=S.Bj AND R.Ak=S.Bl AND R.Ap=S.Bq</a:t>
-            </a:r>
-            <a:endParaRPr/>
+              <a:t>R.Ai</a:t>
+            </a:r>
+            <a:r>
+              <a:rPr lang="en-US" sz="2600" b="0" i="0" u="none" dirty="0">
+                <a:solidFill>
+                  <a:srgbClr val="800000"/>
+                </a:solidFill>
+                <a:latin typeface="Arial"/>
+                <a:ea typeface="Arial"/>
+                <a:cs typeface="Arial"/>
+                <a:sym typeface="Arial"/>
+              </a:rPr>
+              <a:t>=</a:t>
+            </a:r>
+            <a:r>
+              <a:rPr lang="en-US" sz="2600" b="0" i="0" u="none" dirty="0" err="1">
+                <a:solidFill>
+                  <a:srgbClr val="800000"/>
+                </a:solidFill>
+                <a:latin typeface="Arial"/>
+                <a:ea typeface="Arial"/>
+                <a:cs typeface="Arial"/>
+                <a:sym typeface="Arial"/>
+              </a:rPr>
+              <a:t>S.Bj</a:t>
+            </a:r>
+            <a:r>
+              <a:rPr lang="en-US" sz="2600" b="0" i="0" u="none" dirty="0">
+                <a:solidFill>
+                  <a:srgbClr val="800000"/>
+                </a:solidFill>
+                <a:latin typeface="Arial"/>
+                <a:ea typeface="Arial"/>
+                <a:cs typeface="Arial"/>
+                <a:sym typeface="Arial"/>
+              </a:rPr>
+              <a:t> AND </a:t>
+            </a:r>
+            <a:r>
+              <a:rPr lang="en-US" sz="2600" b="0" i="0" u="none" dirty="0" err="1">
+                <a:solidFill>
+                  <a:srgbClr val="800000"/>
+                </a:solidFill>
+                <a:latin typeface="Arial"/>
+                <a:ea typeface="Arial"/>
+                <a:cs typeface="Arial"/>
+                <a:sym typeface="Arial"/>
+              </a:rPr>
+              <a:t>R.Ak</a:t>
+            </a:r>
+            <a:r>
+              <a:rPr lang="en-US" sz="2600" b="0" i="0" u="none" dirty="0">
+                <a:solidFill>
+                  <a:srgbClr val="800000"/>
+                </a:solidFill>
+                <a:latin typeface="Arial"/>
+                <a:ea typeface="Arial"/>
+                <a:cs typeface="Arial"/>
+                <a:sym typeface="Arial"/>
+              </a:rPr>
+              <a:t>=</a:t>
+            </a:r>
+            <a:r>
+              <a:rPr lang="en-US" sz="2600" b="0" i="0" u="none" dirty="0" err="1">
+                <a:solidFill>
+                  <a:srgbClr val="800000"/>
+                </a:solidFill>
+                <a:latin typeface="Arial"/>
+                <a:ea typeface="Arial"/>
+                <a:cs typeface="Arial"/>
+                <a:sym typeface="Arial"/>
+              </a:rPr>
+              <a:t>S.Bl</a:t>
+            </a:r>
+            <a:r>
+              <a:rPr lang="en-US" sz="2600" b="0" i="0" u="none" dirty="0">
+                <a:solidFill>
+                  <a:srgbClr val="800000"/>
+                </a:solidFill>
+                <a:latin typeface="Arial"/>
+                <a:ea typeface="Arial"/>
+                <a:cs typeface="Arial"/>
+                <a:sym typeface="Arial"/>
+              </a:rPr>
+              <a:t> AND </a:t>
+            </a:r>
+            <a:r>
+              <a:rPr lang="en-US" sz="2600" b="0" i="0" u="none" dirty="0" err="1">
+                <a:solidFill>
+                  <a:srgbClr val="800000"/>
+                </a:solidFill>
+                <a:latin typeface="Arial"/>
+                <a:ea typeface="Arial"/>
+                <a:cs typeface="Arial"/>
+                <a:sym typeface="Arial"/>
+              </a:rPr>
+              <a:t>R.Ap</a:t>
+            </a:r>
+            <a:r>
+              <a:rPr lang="en-US" sz="2600" b="0" i="0" u="none" dirty="0">
+                <a:solidFill>
+                  <a:srgbClr val="800000"/>
+                </a:solidFill>
+                <a:latin typeface="Arial"/>
+                <a:ea typeface="Arial"/>
+                <a:cs typeface="Arial"/>
+                <a:sym typeface="Arial"/>
+              </a:rPr>
+              <a:t>=</a:t>
+            </a:r>
+            <a:r>
+              <a:rPr lang="en-US" sz="2600" b="0" i="0" u="none" dirty="0" err="1">
+                <a:solidFill>
+                  <a:srgbClr val="800000"/>
+                </a:solidFill>
+                <a:latin typeface="Arial"/>
+                <a:ea typeface="Arial"/>
+                <a:cs typeface="Arial"/>
+                <a:sym typeface="Arial"/>
+              </a:rPr>
+              <a:t>S.Bq</a:t>
+            </a:r>
+            <a:endParaRPr dirty="0"/>
           </a:p>
           <a:p>
             <a:pPr marL="342900" lvl="0" indent="-243840" algn="l" rtl="0">
@@ -34842,7 +35121,7 @@
               <a:buSzPts val="1560"/>
               <a:buNone/>
             </a:pPr>
-            <a:endParaRPr sz="2600" b="0" i="0" u="none">
+            <a:endParaRPr sz="2600" b="0" i="0" u="none" dirty="0">
               <a:solidFill>
                 <a:srgbClr val="800000"/>
               </a:solidFill>
@@ -35566,13 +35845,6 @@
   <p:clrMapOvr>
     <a:masterClrMapping/>
   </p:clrMapOvr>
-  <p:timing>
-    <p:tnLst>
-      <p:par>
-        <p:cTn id="1" dur="indefinite" restart="never" nodeType="tmRoot"/>
-      </p:par>
-    </p:tnLst>
-  </p:timing>
 </p:sld>
 </file>
 
@@ -35598,7 +35870,7 @@
           <p:cNvPr id="2" name="Title 1">
             <a:extLst>
               <a:ext uri="{FF2B5EF4-FFF2-40B4-BE49-F238E27FC236}">
-                <a16:creationId xmlns:a16="http://schemas.microsoft.com/office/drawing/2014/main" xmlns="" id="{4B867013-714E-3780-41B6-6124027E61A6}"/>
+                <a16:creationId xmlns:a16="http://schemas.microsoft.com/office/drawing/2014/main" id="{4B867013-714E-3780-41B6-6124027E61A6}"/>
               </a:ext>
             </a:extLst>
           </p:cNvPr>
@@ -35615,10 +35887,9 @@
           <a:lstStyle/>
           <a:p>
             <a:r>
-              <a:rPr lang="en-US" dirty="0" smtClean="0"/>
+              <a:rPr lang="en-US" dirty="0"/>
               <a:t>Example </a:t>
             </a:r>
-            <a:endParaRPr lang="en-US" dirty="0"/>
           </a:p>
         </p:txBody>
       </p:sp>
@@ -35627,7 +35898,7 @@
           <p:cNvPr id="3" name="Text Placeholder 2">
             <a:extLst>
               <a:ext uri="{FF2B5EF4-FFF2-40B4-BE49-F238E27FC236}">
-                <a16:creationId xmlns:a16="http://schemas.microsoft.com/office/drawing/2014/main" xmlns="" id="{F78C5983-6E98-68D5-9D11-1378DE39607C}"/>
+                <a16:creationId xmlns:a16="http://schemas.microsoft.com/office/drawing/2014/main" id="{F78C5983-6E98-68D5-9D11-1378DE39607C}"/>
               </a:ext>
             </a:extLst>
           </p:cNvPr>
@@ -35652,7 +35923,7 @@
           <p:cNvPr id="4" name="Slide Number Placeholder 3">
             <a:extLst>
               <a:ext uri="{FF2B5EF4-FFF2-40B4-BE49-F238E27FC236}">
-                <a16:creationId xmlns:a16="http://schemas.microsoft.com/office/drawing/2014/main" xmlns="" id="{AE635F68-34B6-A917-27F0-D4610FB40561}"/>
+                <a16:creationId xmlns:a16="http://schemas.microsoft.com/office/drawing/2014/main" id="{AE635F68-34B6-A917-27F0-D4610FB40561}"/>
               </a:ext>
             </a:extLst>
           </p:cNvPr>
@@ -35694,7 +35965,7 @@
           <p:cNvPr id="6" name="Picture 5">
             <a:extLst>
               <a:ext uri="{FF2B5EF4-FFF2-40B4-BE49-F238E27FC236}">
-                <a16:creationId xmlns:a16="http://schemas.microsoft.com/office/drawing/2014/main" xmlns="" id="{9EA038A7-1B64-1CD6-89CC-9A33CA9264EA}"/>
+                <a16:creationId xmlns:a16="http://schemas.microsoft.com/office/drawing/2014/main" id="{9EA038A7-1B64-1CD6-89CC-9A33CA9264EA}"/>
               </a:ext>
             </a:extLst>
           </p:cNvPr>
@@ -35724,7 +35995,7 @@
           <p:cNvPr id="8" name="Picture 7">
             <a:extLst>
               <a:ext uri="{FF2B5EF4-FFF2-40B4-BE49-F238E27FC236}">
-                <a16:creationId xmlns:a16="http://schemas.microsoft.com/office/drawing/2014/main" xmlns="" id="{ADF90566-C693-96B2-6C41-C5B2010B7684}"/>
+                <a16:creationId xmlns:a16="http://schemas.microsoft.com/office/drawing/2014/main" id="{ADF90566-C693-96B2-6C41-C5B2010B7684}"/>
               </a:ext>
             </a:extLst>
           </p:cNvPr>
@@ -35754,7 +36025,7 @@
           <p:cNvPr id="10" name="Picture 9">
             <a:extLst>
               <a:ext uri="{FF2B5EF4-FFF2-40B4-BE49-F238E27FC236}">
-                <a16:creationId xmlns:a16="http://schemas.microsoft.com/office/drawing/2014/main" xmlns="" id="{4E3FBEAE-07B6-8099-E85F-F472DDA96DAE}"/>
+                <a16:creationId xmlns:a16="http://schemas.microsoft.com/office/drawing/2014/main" id="{4E3FBEAE-07B6-8099-E85F-F472DDA96DAE}"/>
               </a:ext>
             </a:extLst>
           </p:cNvPr>
@@ -35784,7 +36055,7 @@
           <p:cNvPr id="12" name="Picture 11">
             <a:extLst>
               <a:ext uri="{FF2B5EF4-FFF2-40B4-BE49-F238E27FC236}">
-                <a16:creationId xmlns:a16="http://schemas.microsoft.com/office/drawing/2014/main" xmlns="" id="{DB77EF5D-C3A4-0E2E-DA01-C7D18724C08B}"/>
+                <a16:creationId xmlns:a16="http://schemas.microsoft.com/office/drawing/2014/main" id="{DB77EF5D-C3A4-0E2E-DA01-C7D18724C08B}"/>
               </a:ext>
             </a:extLst>
           </p:cNvPr>
@@ -35814,7 +36085,7 @@
           <p:cNvPr id="14" name="Picture 13">
             <a:extLst>
               <a:ext uri="{FF2B5EF4-FFF2-40B4-BE49-F238E27FC236}">
-                <a16:creationId xmlns:a16="http://schemas.microsoft.com/office/drawing/2014/main" xmlns="" id="{D8A24DBA-B1B2-C007-E8B6-01827A43BACB}"/>
+                <a16:creationId xmlns:a16="http://schemas.microsoft.com/office/drawing/2014/main" id="{D8A24DBA-B1B2-C007-E8B6-01827A43BACB}"/>
               </a:ext>
             </a:extLst>
           </p:cNvPr>
@@ -35844,7 +36115,7 @@
           <p:cNvPr id="16" name="Picture 15">
             <a:extLst>
               <a:ext uri="{FF2B5EF4-FFF2-40B4-BE49-F238E27FC236}">
-                <a16:creationId xmlns:a16="http://schemas.microsoft.com/office/drawing/2014/main" xmlns="" id="{7DA0B932-E62A-4B96-23D8-567AFD1991B4}"/>
+                <a16:creationId xmlns:a16="http://schemas.microsoft.com/office/drawing/2014/main" id="{7DA0B932-E62A-4B96-23D8-567AFD1991B4}"/>
               </a:ext>
             </a:extLst>
           </p:cNvPr>
@@ -35874,7 +36145,7 @@
           <p:cNvPr id="18" name="Picture 17">
             <a:extLst>
               <a:ext uri="{FF2B5EF4-FFF2-40B4-BE49-F238E27FC236}">
-                <a16:creationId xmlns:a16="http://schemas.microsoft.com/office/drawing/2014/main" xmlns="" id="{8AC45400-5C0F-3A5E-BC2D-C7C6A0ECDA8A}"/>
+                <a16:creationId xmlns:a16="http://schemas.microsoft.com/office/drawing/2014/main" id="{8AC45400-5C0F-3A5E-BC2D-C7C6A0ECDA8A}"/>
               </a:ext>
             </a:extLst>
           </p:cNvPr>
@@ -35904,7 +36175,7 @@
           <p:cNvPr id="20" name="Picture 19">
             <a:extLst>
               <a:ext uri="{FF2B5EF4-FFF2-40B4-BE49-F238E27FC236}">
-                <a16:creationId xmlns:a16="http://schemas.microsoft.com/office/drawing/2014/main" xmlns="" id="{E783315B-B23F-6B76-A06F-79000B483E4E}"/>
+                <a16:creationId xmlns:a16="http://schemas.microsoft.com/office/drawing/2014/main" id="{E783315B-B23F-6B76-A06F-79000B483E4E}"/>
               </a:ext>
             </a:extLst>
           </p:cNvPr>
